--- a/Y9 INV 2 – Sampling & Distribution.pptx
+++ b/Y9 INV 2 – Sampling & Distribution.pptx
@@ -143,7 +143,7 @@
 <file path=ppt/revisionInfo.xml><?xml version="1.0" encoding="utf-8"?>
 <p1510:revInfo xmlns:a="http://schemas.openxmlformats.org/drawingml/2006/main" xmlns:r="http://schemas.openxmlformats.org/officeDocument/2006/relationships" xmlns:p1510="http://schemas.microsoft.com/office/powerpoint/2015/10/main">
   <p1510:revLst>
-    <p1510:client id="{68454B6A-FA3B-43B6-95E6-DE05A7F3BDC2}" v="314" dt="2025-10-19T04:20:50.726"/>
+    <p1510:client id="{FFA5B825-F6B6-4659-B16B-1BFC8771DB5C}" v="1" dt="2025-10-21T01:04:45.005"/>
   </p1510:revLst>
 </p1510:revInfo>
 </file>
@@ -194,14 +194,6 @@
             <ac:spMk id="2" creationId="{95E90028-A793-6F36-B46E-41CB08883B7A}"/>
           </ac:spMkLst>
         </pc:spChg>
-        <pc:spChg chg="del">
-          <ac:chgData name="SUN Henry" userId="ad28bb31-feec-467e-aba8-a9c658208cdf" providerId="ADAL" clId="{31157CF8-0C1B-4D30-8FF3-36092DCFD3FF}" dt="2025-10-18T11:04:43.946" v="0" actId="22"/>
-          <ac:spMkLst>
-            <pc:docMk/>
-            <pc:sldMk cId="2172333855" sldId="257"/>
-            <ac:spMk id="3" creationId="{94258A05-018F-DA86-1221-281E75BC42C1}"/>
-          </ac:spMkLst>
-        </pc:spChg>
         <pc:picChg chg="add mod">
           <ac:chgData name="SUN Henry" userId="ad28bb31-feec-467e-aba8-a9c658208cdf" providerId="ADAL" clId="{31157CF8-0C1B-4D30-8FF3-36092DCFD3FF}" dt="2025-10-19T04:13:45.355" v="9287" actId="1076"/>
           <ac:picMkLst>
@@ -226,14 +218,6 @@
             <ac:picMk id="7" creationId="{94619204-2E42-26E7-9A97-918DC53F5442}"/>
           </ac:picMkLst>
         </pc:picChg>
-        <pc:picChg chg="add del">
-          <ac:chgData name="SUN Henry" userId="ad28bb31-feec-467e-aba8-a9c658208cdf" providerId="ADAL" clId="{31157CF8-0C1B-4D30-8FF3-36092DCFD3FF}" dt="2025-10-18T11:05:37.165" v="3" actId="478"/>
-          <ac:picMkLst>
-            <pc:docMk/>
-            <pc:sldMk cId="2172333855" sldId="257"/>
-            <ac:picMk id="9" creationId="{6F2AF60F-D543-98D6-1EB0-B869A30EB5C6}"/>
-          </ac:picMkLst>
-        </pc:picChg>
         <pc:picChg chg="add mod">
           <ac:chgData name="SUN Henry" userId="ad28bb31-feec-467e-aba8-a9c658208cdf" providerId="ADAL" clId="{31157CF8-0C1B-4D30-8FF3-36092DCFD3FF}" dt="2025-10-19T04:13:42.191" v="9286" actId="1076"/>
           <ac:picMkLst>
@@ -248,22 +232,6 @@
             <pc:docMk/>
             <pc:sldMk cId="2172333855" sldId="257"/>
             <ac:picMk id="13" creationId="{6DECCADE-9AB3-0433-CF9A-ABF243EB792D}"/>
-          </ac:picMkLst>
-        </pc:picChg>
-        <pc:picChg chg="add mod">
-          <ac:chgData name="SUN Henry" userId="ad28bb31-feec-467e-aba8-a9c658208cdf" providerId="ADAL" clId="{31157CF8-0C1B-4D30-8FF3-36092DCFD3FF}" dt="2025-10-18T11:08:18.486" v="28" actId="571"/>
-          <ac:picMkLst>
-            <pc:docMk/>
-            <pc:sldMk cId="2172333855" sldId="257"/>
-            <ac:picMk id="14" creationId="{7A3CF5E9-5A2B-1AE7-208F-5086FB6ECBE5}"/>
-          </ac:picMkLst>
-        </pc:picChg>
-        <pc:picChg chg="add mod">
-          <ac:chgData name="SUN Henry" userId="ad28bb31-feec-467e-aba8-a9c658208cdf" providerId="ADAL" clId="{31157CF8-0C1B-4D30-8FF3-36092DCFD3FF}" dt="2025-10-18T11:08:18.486" v="28" actId="571"/>
-          <ac:picMkLst>
-            <pc:docMk/>
-            <pc:sldMk cId="2172333855" sldId="257"/>
-            <ac:picMk id="15" creationId="{148C992A-91F6-0875-016C-18C54BCA96BE}"/>
           </ac:picMkLst>
         </pc:picChg>
       </pc:sldChg>
@@ -287,30 +255,6 @@
             <pc:docMk/>
             <pc:sldMk cId="1419004172" sldId="258"/>
             <ac:spMk id="3" creationId="{430F5735-8579-16F1-4264-15DE228493E3}"/>
-          </ac:spMkLst>
-        </pc:spChg>
-        <pc:spChg chg="add del">
-          <ac:chgData name="SUN Henry" userId="ad28bb31-feec-467e-aba8-a9c658208cdf" providerId="ADAL" clId="{31157CF8-0C1B-4D30-8FF3-36092DCFD3FF}" dt="2025-10-18T11:10:45.391" v="47" actId="22"/>
-          <ac:spMkLst>
-            <pc:docMk/>
-            <pc:sldMk cId="1419004172" sldId="258"/>
-            <ac:spMk id="5" creationId="{CBD4E4C4-F304-E91B-9433-33A57B6396EA}"/>
-          </ac:spMkLst>
-        </pc:spChg>
-        <pc:spChg chg="add del mod">
-          <ac:chgData name="SUN Henry" userId="ad28bb31-feec-467e-aba8-a9c658208cdf" providerId="ADAL" clId="{31157CF8-0C1B-4D30-8FF3-36092DCFD3FF}" dt="2025-10-18T11:22:12.473" v="1137" actId="478"/>
-          <ac:spMkLst>
-            <pc:docMk/>
-            <pc:sldMk cId="1419004172" sldId="258"/>
-            <ac:spMk id="7" creationId="{6EEC0A09-8603-4FA9-7DAE-C9BE5ACF04FB}"/>
-          </ac:spMkLst>
-        </pc:spChg>
-        <pc:spChg chg="add del mod">
-          <ac:chgData name="SUN Henry" userId="ad28bb31-feec-467e-aba8-a9c658208cdf" providerId="ADAL" clId="{31157CF8-0C1B-4D30-8FF3-36092DCFD3FF}" dt="2025-10-18T11:23:33.221" v="1345"/>
-          <ac:spMkLst>
-            <pc:docMk/>
-            <pc:sldMk cId="1419004172" sldId="258"/>
-            <ac:spMk id="10" creationId="{48F41FC5-14D8-339F-AB7E-4BB5B159FA90}"/>
           </ac:spMkLst>
         </pc:spChg>
         <pc:spChg chg="add mod">
@@ -461,30 +405,6 @@
             <ac:spMk id="3" creationId="{E609A89C-CA0D-3494-B9F9-F430C7EB9FB4}"/>
           </ac:spMkLst>
         </pc:spChg>
-        <pc:spChg chg="add del mod">
-          <ac:chgData name="SUN Henry" userId="ad28bb31-feec-467e-aba8-a9c658208cdf" providerId="ADAL" clId="{31157CF8-0C1B-4D30-8FF3-36092DCFD3FF}" dt="2025-10-18T11:29:23.155" v="1840"/>
-          <ac:spMkLst>
-            <pc:docMk/>
-            <pc:sldMk cId="7777160" sldId="262"/>
-            <ac:spMk id="7" creationId="{A8F80078-A7DB-5225-4A86-4C6BBB2B824A}"/>
-          </ac:spMkLst>
-        </pc:spChg>
-        <pc:spChg chg="add del">
-          <ac:chgData name="SUN Henry" userId="ad28bb31-feec-467e-aba8-a9c658208cdf" providerId="ADAL" clId="{31157CF8-0C1B-4D30-8FF3-36092DCFD3FF}" dt="2025-10-18T11:30:08.646" v="1877" actId="478"/>
-          <ac:spMkLst>
-            <pc:docMk/>
-            <pc:sldMk cId="7777160" sldId="262"/>
-            <ac:spMk id="9" creationId="{0F8FB8CC-7AC4-A588-5268-816C97736B81}"/>
-          </ac:spMkLst>
-        </pc:spChg>
-        <pc:spChg chg="add del mod">
-          <ac:chgData name="SUN Henry" userId="ad28bb31-feec-467e-aba8-a9c658208cdf" providerId="ADAL" clId="{31157CF8-0C1B-4D30-8FF3-36092DCFD3FF}" dt="2025-10-18T11:30:03.816" v="1876" actId="478"/>
-          <ac:spMkLst>
-            <pc:docMk/>
-            <pc:sldMk cId="7777160" sldId="262"/>
-            <ac:spMk id="11" creationId="{1B80BBE3-FC21-7977-064E-46290ADF7A1E}"/>
-          </ac:spMkLst>
-        </pc:spChg>
         <pc:picChg chg="add mod">
           <ac:chgData name="SUN Henry" userId="ad28bb31-feec-467e-aba8-a9c658208cdf" providerId="ADAL" clId="{31157CF8-0C1B-4D30-8FF3-36092DCFD3FF}" dt="2025-10-18T11:30:30.707" v="1881" actId="1076"/>
           <ac:picMkLst>
@@ -554,22 +474,6 @@
             <ac:spMk id="3" creationId="{592C62D5-2551-5CD3-BC0F-996F75165AFD}"/>
           </ac:spMkLst>
         </pc:spChg>
-        <pc:spChg chg="add del mod">
-          <ac:chgData name="SUN Henry" userId="ad28bb31-feec-467e-aba8-a9c658208cdf" providerId="ADAL" clId="{31157CF8-0C1B-4D30-8FF3-36092DCFD3FF}" dt="2025-10-18T11:36:12.489" v="2211"/>
-          <ac:spMkLst>
-            <pc:docMk/>
-            <pc:sldMk cId="1010399270" sldId="264"/>
-            <ac:spMk id="7" creationId="{FF945FF7-5A7F-B004-C39A-DACD869F982C}"/>
-          </ac:spMkLst>
-        </pc:spChg>
-        <pc:spChg chg="add del mod">
-          <ac:chgData name="SUN Henry" userId="ad28bb31-feec-467e-aba8-a9c658208cdf" providerId="ADAL" clId="{31157CF8-0C1B-4D30-8FF3-36092DCFD3FF}" dt="2025-10-18T11:37:45.238" v="2439" actId="478"/>
-          <ac:spMkLst>
-            <pc:docMk/>
-            <pc:sldMk cId="1010399270" sldId="264"/>
-            <ac:spMk id="9" creationId="{8D43FC46-C943-2C18-FFBB-5CE76D2508B0}"/>
-          </ac:spMkLst>
-        </pc:spChg>
         <pc:picChg chg="add mod">
           <ac:chgData name="SUN Henry" userId="ad28bb31-feec-467e-aba8-a9c658208cdf" providerId="ADAL" clId="{31157CF8-0C1B-4D30-8FF3-36092DCFD3FF}" dt="2025-10-18T12:20:43.475" v="2739" actId="1076"/>
           <ac:picMkLst>
@@ -632,14 +536,6 @@
             <ac:spMk id="3" creationId="{238BCD1E-8558-AEE9-DE7D-44B1300D5E17}"/>
           </ac:spMkLst>
         </pc:spChg>
-        <pc:picChg chg="add del mod">
-          <ac:chgData name="SUN Henry" userId="ad28bb31-feec-467e-aba8-a9c658208cdf" providerId="ADAL" clId="{31157CF8-0C1B-4D30-8FF3-36092DCFD3FF}" dt="2025-10-18T12:24:18.375" v="2938" actId="478"/>
-          <ac:picMkLst>
-            <pc:docMk/>
-            <pc:sldMk cId="2000132153" sldId="266"/>
-            <ac:picMk id="5" creationId="{6113952A-5857-3EAB-E67B-AB43B63BB705}"/>
-          </ac:picMkLst>
-        </pc:picChg>
         <pc:picChg chg="add mod">
           <ac:chgData name="SUN Henry" userId="ad28bb31-feec-467e-aba8-a9c658208cdf" providerId="ADAL" clId="{31157CF8-0C1B-4D30-8FF3-36092DCFD3FF}" dt="2025-10-18T12:29:26.253" v="3384" actId="1076"/>
           <ac:picMkLst>
@@ -764,14 +660,6 @@
             <ac:spMk id="2" creationId="{A6084DE1-8B66-8165-C955-2E803EE39359}"/>
           </ac:spMkLst>
         </pc:spChg>
-        <pc:spChg chg="del">
-          <ac:chgData name="SUN Henry" userId="ad28bb31-feec-467e-aba8-a9c658208cdf" providerId="ADAL" clId="{31157CF8-0C1B-4D30-8FF3-36092DCFD3FF}" dt="2025-10-18T12:40:49.802" v="3824"/>
-          <ac:spMkLst>
-            <pc:docMk/>
-            <pc:sldMk cId="579569714" sldId="270"/>
-            <ac:spMk id="3" creationId="{06D1CA36-2A4C-D178-7276-2916E890DF27}"/>
-          </ac:spMkLst>
-        </pc:spChg>
         <pc:picChg chg="add mod">
           <ac:chgData name="SUN Henry" userId="ad28bb31-feec-467e-aba8-a9c658208cdf" providerId="ADAL" clId="{31157CF8-0C1B-4D30-8FF3-36092DCFD3FF}" dt="2025-10-18T12:40:52.359" v="3828" actId="1076"/>
           <ac:picMkLst>
@@ -811,22 +699,6 @@
             <ac:spMk id="3" creationId="{3502DB48-129C-EF83-C305-B8D06DDD43B2}"/>
           </ac:spMkLst>
         </pc:spChg>
-        <pc:spChg chg="add del mod">
-          <ac:chgData name="SUN Henry" userId="ad28bb31-feec-467e-aba8-a9c658208cdf" providerId="ADAL" clId="{31157CF8-0C1B-4D30-8FF3-36092DCFD3FF}" dt="2025-10-18T12:42:13.027" v="3834"/>
-          <ac:spMkLst>
-            <pc:docMk/>
-            <pc:sldMk cId="3477467439" sldId="271"/>
-            <ac:spMk id="5" creationId="{2003C1CA-AE7E-5368-D9E4-872C197FB1A5}"/>
-          </ac:spMkLst>
-        </pc:spChg>
-        <pc:spChg chg="add del mod">
-          <ac:chgData name="SUN Henry" userId="ad28bb31-feec-467e-aba8-a9c658208cdf" providerId="ADAL" clId="{31157CF8-0C1B-4D30-8FF3-36092DCFD3FF}" dt="2025-10-18T12:42:52.567" v="3840" actId="478"/>
-          <ac:spMkLst>
-            <pc:docMk/>
-            <pc:sldMk cId="3477467439" sldId="271"/>
-            <ac:spMk id="7" creationId="{70E39297-8A62-1856-4458-56A12E339FF7}"/>
-          </ac:spMkLst>
-        </pc:spChg>
       </pc:sldChg>
       <pc:sldChg chg="addSp delSp modSp new mod">
         <pc:chgData name="SUN Henry" userId="ad28bb31-feec-467e-aba8-a9c658208cdf" providerId="ADAL" clId="{31157CF8-0C1B-4D30-8FF3-36092DCFD3FF}" dt="2025-10-18T12:57:36.552" v="4752" actId="14100"/>
@@ -864,14 +736,6 @@
             <pc:docMk/>
             <pc:sldMk cId="1564820416" sldId="272"/>
             <ac:picMk id="7" creationId="{0C13272B-E3BC-C99F-D6E0-0AB35BA0831A}"/>
-          </ac:picMkLst>
-        </pc:picChg>
-        <pc:picChg chg="add del mod">
-          <ac:chgData name="SUN Henry" userId="ad28bb31-feec-467e-aba8-a9c658208cdf" providerId="ADAL" clId="{31157CF8-0C1B-4D30-8FF3-36092DCFD3FF}" dt="2025-10-18T12:53:12.280" v="4679" actId="21"/>
-          <ac:picMkLst>
-            <pc:docMk/>
-            <pc:sldMk cId="1564820416" sldId="272"/>
-            <ac:picMk id="9" creationId="{EB0D2FC8-B729-AEDB-0D13-05101E476805}"/>
           </ac:picMkLst>
         </pc:picChg>
       </pc:sldChg>
@@ -934,30 +798,6 @@
             <pc:docMk/>
             <pc:sldMk cId="3195608668" sldId="274"/>
             <ac:picMk id="5" creationId="{FAD0A51B-D85B-DEAA-6EC0-6153A763BD5B}"/>
-          </ac:picMkLst>
-        </pc:picChg>
-        <pc:picChg chg="add del">
-          <ac:chgData name="SUN Henry" userId="ad28bb31-feec-467e-aba8-a9c658208cdf" providerId="ADAL" clId="{31157CF8-0C1B-4D30-8FF3-36092DCFD3FF}" dt="2025-10-18T13:01:12.806" v="4935" actId="22"/>
-          <ac:picMkLst>
-            <pc:docMk/>
-            <pc:sldMk cId="3195608668" sldId="274"/>
-            <ac:picMk id="7" creationId="{E70560D4-E223-24ED-3979-2390DD626803}"/>
-          </ac:picMkLst>
-        </pc:picChg>
-        <pc:picChg chg="add del">
-          <ac:chgData name="SUN Henry" userId="ad28bb31-feec-467e-aba8-a9c658208cdf" providerId="ADAL" clId="{31157CF8-0C1B-4D30-8FF3-36092DCFD3FF}" dt="2025-10-18T13:01:14.193" v="4937" actId="22"/>
-          <ac:picMkLst>
-            <pc:docMk/>
-            <pc:sldMk cId="3195608668" sldId="274"/>
-            <ac:picMk id="9" creationId="{A263B1D4-352A-D5E5-B41D-8C7500A48CCA}"/>
-          </ac:picMkLst>
-        </pc:picChg>
-        <pc:picChg chg="add del">
-          <ac:chgData name="SUN Henry" userId="ad28bb31-feec-467e-aba8-a9c658208cdf" providerId="ADAL" clId="{31157CF8-0C1B-4D30-8FF3-36092DCFD3FF}" dt="2025-10-18T13:01:19.509" v="4939" actId="22"/>
-          <ac:picMkLst>
-            <pc:docMk/>
-            <pc:sldMk cId="3195608668" sldId="274"/>
-            <ac:picMk id="11" creationId="{8881D01B-C6DD-75DA-74D7-8F6501C9FD05}"/>
           </ac:picMkLst>
         </pc:picChg>
         <pc:picChg chg="add mod">
@@ -1054,14 +894,6 @@
             <ac:picMk id="9" creationId="{A7158CD2-EBE2-C603-2113-E469433D6FBB}"/>
           </ac:picMkLst>
         </pc:picChg>
-        <pc:picChg chg="add del">
-          <ac:chgData name="SUN Henry" userId="ad28bb31-feec-467e-aba8-a9c658208cdf" providerId="ADAL" clId="{31157CF8-0C1B-4D30-8FF3-36092DCFD3FF}" dt="2025-10-18T13:16:39.904" v="5727" actId="22"/>
-          <ac:picMkLst>
-            <pc:docMk/>
-            <pc:sldMk cId="2502569411" sldId="276"/>
-            <ac:picMk id="11" creationId="{2190279F-789B-A689-BE95-3436B81D06AE}"/>
-          </ac:picMkLst>
-        </pc:picChg>
       </pc:sldChg>
       <pc:sldChg chg="addSp delSp modSp new mod">
         <pc:chgData name="SUN Henry" userId="ad28bb31-feec-467e-aba8-a9c658208cdf" providerId="ADAL" clId="{31157CF8-0C1B-4D30-8FF3-36092DCFD3FF}" dt="2025-10-19T03:17:35.919" v="7373" actId="1076"/>
@@ -1093,14 +925,6 @@
             <ac:spMk id="4" creationId="{A7512E72-92C2-554A-7816-1B2FD65CF14A}"/>
           </ac:spMkLst>
         </pc:spChg>
-        <pc:picChg chg="add del">
-          <ac:chgData name="SUN Henry" userId="ad28bb31-feec-467e-aba8-a9c658208cdf" providerId="ADAL" clId="{31157CF8-0C1B-4D30-8FF3-36092DCFD3FF}" dt="2025-10-18T13:19:30.326" v="5823" actId="21"/>
-          <ac:picMkLst>
-            <pc:docMk/>
-            <pc:sldMk cId="3770020380" sldId="277"/>
-            <ac:picMk id="5" creationId="{2E0FCA87-565C-7203-5D4E-F958B61EE7E5}"/>
-          </ac:picMkLst>
-        </pc:picChg>
         <pc:picChg chg="add mod">
           <ac:chgData name="SUN Henry" userId="ad28bb31-feec-467e-aba8-a9c658208cdf" providerId="ADAL" clId="{31157CF8-0C1B-4D30-8FF3-36092DCFD3FF}" dt="2025-10-19T03:16:40.399" v="7266" actId="1076"/>
           <ac:picMkLst>
@@ -1187,100 +1011,12 @@
             <ac:spMk id="3" creationId="{B65D65B2-745E-07BE-1796-0C446301440A}"/>
           </ac:spMkLst>
         </pc:spChg>
-        <pc:spChg chg="add del">
-          <ac:chgData name="SUN Henry" userId="ad28bb31-feec-467e-aba8-a9c658208cdf" providerId="ADAL" clId="{31157CF8-0C1B-4D30-8FF3-36092DCFD3FF}" dt="2025-10-18T13:20:11.384" v="5829" actId="22"/>
-          <ac:spMkLst>
-            <pc:docMk/>
-            <pc:sldMk cId="694010449" sldId="279"/>
-            <ac:spMk id="5" creationId="{4E13023F-332E-E524-9A93-DA514C770AF8}"/>
-          </ac:spMkLst>
-        </pc:spChg>
-        <pc:spChg chg="add">
-          <ac:chgData name="SUN Henry" userId="ad28bb31-feec-467e-aba8-a9c658208cdf" providerId="ADAL" clId="{31157CF8-0C1B-4D30-8FF3-36092DCFD3FF}" dt="2025-10-18T13:24:49.245" v="6048"/>
-          <ac:spMkLst>
-            <pc:docMk/>
-            <pc:sldMk cId="694010449" sldId="279"/>
-            <ac:spMk id="10" creationId="{F0DAE0B1-E8FC-D7B4-5917-8E40ECCDD7CC}"/>
-          </ac:spMkLst>
-        </pc:spChg>
-        <pc:spChg chg="add mod">
-          <ac:chgData name="SUN Henry" userId="ad28bb31-feec-467e-aba8-a9c658208cdf" providerId="ADAL" clId="{31157CF8-0C1B-4D30-8FF3-36092DCFD3FF}" dt="2025-10-18T13:24:57.830" v="6051" actId="1076"/>
-          <ac:spMkLst>
-            <pc:docMk/>
-            <pc:sldMk cId="694010449" sldId="279"/>
-            <ac:spMk id="11" creationId="{3AED99A6-E7AC-EA4C-E661-89D146432C98}"/>
-          </ac:spMkLst>
-        </pc:spChg>
-        <pc:spChg chg="add del mod">
-          <ac:chgData name="SUN Henry" userId="ad28bb31-feec-467e-aba8-a9c658208cdf" providerId="ADAL" clId="{31157CF8-0C1B-4D30-8FF3-36092DCFD3FF}" dt="2025-10-18T14:01:14.312" v="6658" actId="478"/>
-          <ac:spMkLst>
-            <pc:docMk/>
-            <pc:sldMk cId="694010449" sldId="279"/>
-            <ac:spMk id="12" creationId="{910216D6-0D34-8186-589F-191B7B81E2EB}"/>
-          </ac:spMkLst>
-        </pc:spChg>
-        <pc:picChg chg="add del mod">
-          <ac:chgData name="SUN Henry" userId="ad28bb31-feec-467e-aba8-a9c658208cdf" providerId="ADAL" clId="{31157CF8-0C1B-4D30-8FF3-36092DCFD3FF}" dt="2025-10-18T13:21:00.995" v="5864" actId="478"/>
-          <ac:picMkLst>
-            <pc:docMk/>
-            <pc:sldMk cId="694010449" sldId="279"/>
-            <ac:picMk id="7" creationId="{DE8AA116-8A51-774A-2A0D-05515D227C3D}"/>
-          </ac:picMkLst>
-        </pc:picChg>
         <pc:picChg chg="add mod">
           <ac:chgData name="SUN Henry" userId="ad28bb31-feec-467e-aba8-a9c658208cdf" providerId="ADAL" clId="{31157CF8-0C1B-4D30-8FF3-36092DCFD3FF}" dt="2025-10-18T13:31:49.428" v="6432" actId="1076"/>
           <ac:picMkLst>
             <pc:docMk/>
             <pc:sldMk cId="694010449" sldId="279"/>
             <ac:picMk id="9" creationId="{E0651C13-9199-13D2-511D-37CC67831322}"/>
-          </ac:picMkLst>
-        </pc:picChg>
-        <pc:picChg chg="add">
-          <ac:chgData name="SUN Henry" userId="ad28bb31-feec-467e-aba8-a9c658208cdf" providerId="ADAL" clId="{31157CF8-0C1B-4D30-8FF3-36092DCFD3FF}" dt="2025-10-18T13:24:49.245" v="6048"/>
-          <ac:picMkLst>
-            <pc:docMk/>
-            <pc:sldMk cId="694010449" sldId="279"/>
-            <ac:picMk id="1026" creationId="{67FD751A-AFD4-71A7-FE6E-97232F9ABCCF}"/>
-          </ac:picMkLst>
-        </pc:picChg>
-        <pc:picChg chg="add">
-          <ac:chgData name="SUN Henry" userId="ad28bb31-feec-467e-aba8-a9c658208cdf" providerId="ADAL" clId="{31157CF8-0C1B-4D30-8FF3-36092DCFD3FF}" dt="2025-10-18T13:24:49.245" v="6048"/>
-          <ac:picMkLst>
-            <pc:docMk/>
-            <pc:sldMk cId="694010449" sldId="279"/>
-            <ac:picMk id="1027" creationId="{03FBB011-37A3-82F2-AE11-141E7593934E}"/>
-          </ac:picMkLst>
-        </pc:picChg>
-        <pc:picChg chg="add">
-          <ac:chgData name="SUN Henry" userId="ad28bb31-feec-467e-aba8-a9c658208cdf" providerId="ADAL" clId="{31157CF8-0C1B-4D30-8FF3-36092DCFD3FF}" dt="2025-10-18T13:24:49.245" v="6048"/>
-          <ac:picMkLst>
-            <pc:docMk/>
-            <pc:sldMk cId="694010449" sldId="279"/>
-            <ac:picMk id="1028" creationId="{519CB246-D9A7-FEBF-DEC1-419ADE932D20}"/>
-          </ac:picMkLst>
-        </pc:picChg>
-        <pc:picChg chg="add">
-          <ac:chgData name="SUN Henry" userId="ad28bb31-feec-467e-aba8-a9c658208cdf" providerId="ADAL" clId="{31157CF8-0C1B-4D30-8FF3-36092DCFD3FF}" dt="2025-10-18T13:24:51.726" v="6049"/>
-          <ac:picMkLst>
-            <pc:docMk/>
-            <pc:sldMk cId="694010449" sldId="279"/>
-            <ac:picMk id="1030" creationId="{2BFA5495-4472-C73E-939A-1174524FE6CF}"/>
-          </ac:picMkLst>
-        </pc:picChg>
-        <pc:picChg chg="add">
-          <ac:chgData name="SUN Henry" userId="ad28bb31-feec-467e-aba8-a9c658208cdf" providerId="ADAL" clId="{31157CF8-0C1B-4D30-8FF3-36092DCFD3FF}" dt="2025-10-18T13:24:51.726" v="6049"/>
-          <ac:picMkLst>
-            <pc:docMk/>
-            <pc:sldMk cId="694010449" sldId="279"/>
-            <ac:picMk id="1031" creationId="{00C14B1A-9D08-5C9C-A16A-02779593F88B}"/>
-          </ac:picMkLst>
-        </pc:picChg>
-        <pc:picChg chg="add">
-          <ac:chgData name="SUN Henry" userId="ad28bb31-feec-467e-aba8-a9c658208cdf" providerId="ADAL" clId="{31157CF8-0C1B-4D30-8FF3-36092DCFD3FF}" dt="2025-10-18T13:24:51.726" v="6049"/>
-          <ac:picMkLst>
-            <pc:docMk/>
-            <pc:sldMk cId="694010449" sldId="279"/>
-            <ac:picMk id="1032" creationId="{8C25D709-2977-627B-7C55-37CADFDB0150}"/>
           </ac:picMkLst>
         </pc:picChg>
       </pc:sldChg>
@@ -1290,30 +1026,6 @@
           <pc:docMk/>
           <pc:sldMk cId="1767921035" sldId="280"/>
         </pc:sldMkLst>
-        <pc:picChg chg="add">
-          <ac:chgData name="SUN Henry" userId="ad28bb31-feec-467e-aba8-a9c658208cdf" providerId="ADAL" clId="{31157CF8-0C1B-4D30-8FF3-36092DCFD3FF}" dt="2025-10-18T13:41:25.056" v="6436" actId="22"/>
-          <ac:picMkLst>
-            <pc:docMk/>
-            <pc:sldMk cId="1767921035" sldId="280"/>
-            <ac:picMk id="5" creationId="{49C4F49F-1322-E92C-D6F4-EF6F2236CFB3}"/>
-          </ac:picMkLst>
-        </pc:picChg>
-        <pc:picChg chg="add del">
-          <ac:chgData name="SUN Henry" userId="ad28bb31-feec-467e-aba8-a9c658208cdf" providerId="ADAL" clId="{31157CF8-0C1B-4D30-8FF3-36092DCFD3FF}" dt="2025-10-18T13:42:39.685" v="6441" actId="21"/>
-          <ac:picMkLst>
-            <pc:docMk/>
-            <pc:sldMk cId="1767921035" sldId="280"/>
-            <ac:picMk id="7" creationId="{1A3C36A6-60AA-7623-155C-01DA16573C82}"/>
-          </ac:picMkLst>
-        </pc:picChg>
-        <pc:picChg chg="add">
-          <ac:chgData name="SUN Henry" userId="ad28bb31-feec-467e-aba8-a9c658208cdf" providerId="ADAL" clId="{31157CF8-0C1B-4D30-8FF3-36092DCFD3FF}" dt="2025-10-18T13:42:13.079" v="6438" actId="22"/>
-          <ac:picMkLst>
-            <pc:docMk/>
-            <pc:sldMk cId="1767921035" sldId="280"/>
-            <ac:picMk id="9" creationId="{EB76A32E-4459-43CB-726C-5F2BFB539A75}"/>
-          </ac:picMkLst>
-        </pc:picChg>
       </pc:sldChg>
       <pc:sldChg chg="addSp modSp new mod">
         <pc:chgData name="SUN Henry" userId="ad28bb31-feec-467e-aba8-a9c658208cdf" providerId="ADAL" clId="{31157CF8-0C1B-4D30-8FF3-36092DCFD3FF}" dt="2025-10-19T03:59:21.328" v="9109" actId="2711"/>
@@ -1343,14 +1055,6 @@
             <pc:docMk/>
             <pc:sldMk cId="4125082363" sldId="280"/>
             <ac:picMk id="5" creationId="{1D74E010-6DC5-5333-5819-2C33185AF2F4}"/>
-          </ac:picMkLst>
-        </pc:picChg>
-        <pc:picChg chg="add mod">
-          <ac:chgData name="SUN Henry" userId="ad28bb31-feec-467e-aba8-a9c658208cdf" providerId="ADAL" clId="{31157CF8-0C1B-4D30-8FF3-36092DCFD3FF}" dt="2025-10-19T03:22:11.171" v="7773" actId="1076"/>
-          <ac:picMkLst>
-            <pc:docMk/>
-            <pc:sldMk cId="4125082363" sldId="280"/>
-            <ac:picMk id="7" creationId="{8F0AF35F-367B-9D07-68E0-F35BE13A1516}"/>
           </ac:picMkLst>
         </pc:picChg>
         <pc:picChg chg="add mod">
@@ -1407,14 +1111,6 @@
             <ac:spMk id="2" creationId="{786445C7-DDA6-88AB-C058-92E6A4AAE0E8}"/>
           </ac:spMkLst>
         </pc:spChg>
-        <pc:spChg chg="del">
-          <ac:chgData name="SUN Henry" userId="ad28bb31-feec-467e-aba8-a9c658208cdf" providerId="ADAL" clId="{31157CF8-0C1B-4D30-8FF3-36092DCFD3FF}" dt="2025-10-18T13:47:08.655" v="6455"/>
-          <ac:spMkLst>
-            <pc:docMk/>
-            <pc:sldMk cId="3269705666" sldId="282"/>
-            <ac:spMk id="3" creationId="{389D0C26-9628-162D-F8A4-A682D01B0527}"/>
-          </ac:spMkLst>
-        </pc:spChg>
         <pc:spChg chg="add del mod">
           <ac:chgData name="SUN Henry" userId="ad28bb31-feec-467e-aba8-a9c658208cdf" providerId="ADAL" clId="{31157CF8-0C1B-4D30-8FF3-36092DCFD3FF}" dt="2025-10-19T03:59:07.290" v="9107" actId="207"/>
           <ac:spMkLst>
@@ -1423,22 +1119,6 @@
             <ac:spMk id="10" creationId="{5D3D9ACD-E7E0-84E4-CD08-2950D7736B5E}"/>
           </ac:spMkLst>
         </pc:spChg>
-        <pc:spChg chg="add del mod">
-          <ac:chgData name="SUN Henry" userId="ad28bb31-feec-467e-aba8-a9c658208cdf" providerId="ADAL" clId="{31157CF8-0C1B-4D30-8FF3-36092DCFD3FF}" dt="2025-10-19T03:43:51.398" v="8657" actId="478"/>
-          <ac:spMkLst>
-            <pc:docMk/>
-            <pc:sldMk cId="3269705666" sldId="282"/>
-            <ac:spMk id="11" creationId="{8AF1B06A-BE40-E153-7766-C3B21DFD663D}"/>
-          </ac:spMkLst>
-        </pc:spChg>
-        <pc:graphicFrameChg chg="add del mod">
-          <ac:chgData name="SUN Henry" userId="ad28bb31-feec-467e-aba8-a9c658208cdf" providerId="ADAL" clId="{31157CF8-0C1B-4D30-8FF3-36092DCFD3FF}" dt="2025-10-19T03:43:58.811" v="8658" actId="478"/>
-          <ac:graphicFrameMkLst>
-            <pc:docMk/>
-            <pc:sldMk cId="3269705666" sldId="282"/>
-            <ac:graphicFrameMk id="6" creationId="{416EC6B3-7B12-C6E5-EBBE-9A3750EEE499}"/>
-          </ac:graphicFrameMkLst>
-        </pc:graphicFrameChg>
         <pc:graphicFrameChg chg="add mod">
           <ac:chgData name="SUN Henry" userId="ad28bb31-feec-467e-aba8-a9c658208cdf" providerId="ADAL" clId="{31157CF8-0C1B-4D30-8FF3-36092DCFD3FF}" dt="2025-10-19T03:45:36.506" v="8682" actId="1076"/>
           <ac:graphicFrameMkLst>
@@ -1447,46 +1127,6 @@
             <ac:graphicFrameMk id="15" creationId="{151D2442-3476-B0ED-F336-07288ACA0880}"/>
           </ac:graphicFrameMkLst>
         </pc:graphicFrameChg>
-        <pc:picChg chg="add mod">
-          <ac:chgData name="SUN Henry" userId="ad28bb31-feec-467e-aba8-a9c658208cdf" providerId="ADAL" clId="{31157CF8-0C1B-4D30-8FF3-36092DCFD3FF}" dt="2025-10-19T03:44:12.552" v="8663"/>
-          <ac:picMkLst>
-            <pc:docMk/>
-            <pc:sldMk cId="3269705666" sldId="282"/>
-            <ac:picMk id="4" creationId="{DB38E044-4826-4E33-1FE6-7C1195735515}"/>
-          </ac:picMkLst>
-        </pc:picChg>
-        <pc:picChg chg="add del">
-          <ac:chgData name="SUN Henry" userId="ad28bb31-feec-467e-aba8-a9c658208cdf" providerId="ADAL" clId="{31157CF8-0C1B-4D30-8FF3-36092DCFD3FF}" dt="2025-10-19T03:45:40.620" v="8684" actId="478"/>
-          <ac:picMkLst>
-            <pc:docMk/>
-            <pc:sldMk cId="3269705666" sldId="282"/>
-            <ac:picMk id="5" creationId="{A72D7D86-B2B2-2762-D3C2-1D0EF8E8C197}"/>
-          </ac:picMkLst>
-        </pc:picChg>
-        <pc:picChg chg="add del mod">
-          <ac:chgData name="SUN Henry" userId="ad28bb31-feec-467e-aba8-a9c658208cdf" providerId="ADAL" clId="{31157CF8-0C1B-4D30-8FF3-36092DCFD3FF}" dt="2025-10-18T13:48:20.050" v="6458" actId="478"/>
-          <ac:picMkLst>
-            <pc:docMk/>
-            <pc:sldMk cId="3269705666" sldId="282"/>
-            <ac:picMk id="8" creationId="{36D982E1-5976-C22A-AA27-DED119146220}"/>
-          </ac:picMkLst>
-        </pc:picChg>
-        <pc:picChg chg="add mod">
-          <ac:chgData name="SUN Henry" userId="ad28bb31-feec-467e-aba8-a9c658208cdf" providerId="ADAL" clId="{31157CF8-0C1B-4D30-8FF3-36092DCFD3FF}" dt="2025-10-19T03:44:48.909" v="8668"/>
-          <ac:picMkLst>
-            <pc:docMk/>
-            <pc:sldMk cId="3269705666" sldId="282"/>
-            <ac:picMk id="8" creationId="{DF47FF29-0B83-0F12-67CA-60EB03CD71BB}"/>
-          </ac:picMkLst>
-        </pc:picChg>
-        <pc:picChg chg="add mod">
-          <ac:chgData name="SUN Henry" userId="ad28bb31-feec-467e-aba8-a9c658208cdf" providerId="ADAL" clId="{31157CF8-0C1B-4D30-8FF3-36092DCFD3FF}" dt="2025-10-19T03:45:03.914" v="8673"/>
-          <ac:picMkLst>
-            <pc:docMk/>
-            <pc:sldMk cId="3269705666" sldId="282"/>
-            <ac:picMk id="12" creationId="{7286A437-E444-58B3-BD6B-C0148C6DE200}"/>
-          </ac:picMkLst>
-        </pc:picChg>
         <pc:picChg chg="add mod">
           <ac:chgData name="SUN Henry" userId="ad28bb31-feec-467e-aba8-a9c658208cdf" providerId="ADAL" clId="{31157CF8-0C1B-4D30-8FF3-36092DCFD3FF}" dt="2025-10-19T03:53:24.142" v="8716" actId="14100"/>
           <ac:picMkLst>
@@ -1526,30 +1166,6 @@
             <ac:spMk id="3" creationId="{E960084E-0280-56F9-75CA-DFCD11CA2A4B}"/>
           </ac:spMkLst>
         </pc:spChg>
-        <pc:spChg chg="add del">
-          <ac:chgData name="SUN Henry" userId="ad28bb31-feec-467e-aba8-a9c658208cdf" providerId="ADAL" clId="{31157CF8-0C1B-4D30-8FF3-36092DCFD3FF}" dt="2025-10-19T03:50:53.319" v="8700" actId="478"/>
-          <ac:spMkLst>
-            <pc:docMk/>
-            <pc:sldMk cId="1526350303" sldId="283"/>
-            <ac:spMk id="7" creationId="{495502EF-D44D-9076-5FBC-DEB78DEAACA2}"/>
-          </ac:spMkLst>
-        </pc:spChg>
-        <pc:picChg chg="add del mod">
-          <ac:chgData name="SUN Henry" userId="ad28bb31-feec-467e-aba8-a9c658208cdf" providerId="ADAL" clId="{31157CF8-0C1B-4D30-8FF3-36092DCFD3FF}" dt="2025-10-19T03:51:17.855" v="8701" actId="478"/>
-          <ac:picMkLst>
-            <pc:docMk/>
-            <pc:sldMk cId="1526350303" sldId="283"/>
-            <ac:picMk id="5" creationId="{91C83D9A-F86A-2F0D-2562-6A7832223F2E}"/>
-          </ac:picMkLst>
-        </pc:picChg>
-        <pc:picChg chg="add mod">
-          <ac:chgData name="SUN Henry" userId="ad28bb31-feec-467e-aba8-a9c658208cdf" providerId="ADAL" clId="{31157CF8-0C1B-4D30-8FF3-36092DCFD3FF}" dt="2025-10-19T03:50:25.506" v="8690"/>
-          <ac:picMkLst>
-            <pc:docMk/>
-            <pc:sldMk cId="1526350303" sldId="283"/>
-            <ac:picMk id="6" creationId="{121250B9-48AC-5B14-87CB-2FAF3E4ADED5}"/>
-          </ac:picMkLst>
-        </pc:picChg>
         <pc:picChg chg="add mod">
           <ac:chgData name="SUN Henry" userId="ad28bb31-feec-467e-aba8-a9c658208cdf" providerId="ADAL" clId="{31157CF8-0C1B-4D30-8FF3-36092DCFD3FF}" dt="2025-10-19T03:56:52.743" v="8954" actId="1076"/>
           <ac:picMkLst>
@@ -1596,14 +1212,61 @@
           <pc:docMk/>
           <pc:sldMk cId="1840033002" sldId="285"/>
         </pc:sldMkLst>
-        <pc:spChg chg="mod">
-          <ac:chgData name="SUN Henry" userId="ad28bb31-feec-467e-aba8-a9c658208cdf" providerId="ADAL" clId="{31157CF8-0C1B-4D30-8FF3-36092DCFD3FF}" dt="2025-10-19T04:14:02.392" v="9299" actId="20577"/>
+      </pc:sldChg>
+    </pc:docChg>
+  </pc:docChgLst>
+  <pc:docChgLst>
+    <pc:chgData name="SUN Henry" userId="ad28bb31-feec-467e-aba8-a9c658208cdf" providerId="ADAL" clId="{DC21DE38-9BA3-4502-9935-F68E1589427E}"/>
+    <pc:docChg chg="custSel modSld">
+      <pc:chgData name="SUN Henry" userId="ad28bb31-feec-467e-aba8-a9c658208cdf" providerId="ADAL" clId="{DC21DE38-9BA3-4502-9935-F68E1589427E}" dt="2025-10-21T01:19:32.933" v="130" actId="20577"/>
+      <pc:docMkLst>
+        <pc:docMk/>
+      </pc:docMkLst>
+      <pc:sldChg chg="addSp modSp mod">
+        <pc:chgData name="SUN Henry" userId="ad28bb31-feec-467e-aba8-a9c658208cdf" providerId="ADAL" clId="{DC21DE38-9BA3-4502-9935-F68E1589427E}" dt="2025-10-21T01:05:02.420" v="25" actId="1076"/>
+        <pc:sldMkLst>
+          <pc:docMk/>
+          <pc:sldMk cId="2580100194" sldId="263"/>
+        </pc:sldMkLst>
+        <pc:spChg chg="add mod">
+          <ac:chgData name="SUN Henry" userId="ad28bb31-feec-467e-aba8-a9c658208cdf" providerId="ADAL" clId="{DC21DE38-9BA3-4502-9935-F68E1589427E}" dt="2025-10-21T01:05:02.420" v="25" actId="1076"/>
           <ac:spMkLst>
             <pc:docMk/>
-            <pc:sldMk cId="1840033002" sldId="285"/>
-            <ac:spMk id="2" creationId="{869B0C8F-C2B0-00DC-C0AB-607F74964244}"/>
+            <pc:sldMk cId="2580100194" sldId="263"/>
+            <ac:spMk id="4" creationId="{A624C838-DEE0-1715-F5E3-9390C0D63A3F}"/>
           </ac:spMkLst>
         </pc:spChg>
+      </pc:sldChg>
+      <pc:sldChg chg="addSp delSp modSp mod">
+        <pc:chgData name="SUN Henry" userId="ad28bb31-feec-467e-aba8-a9c658208cdf" providerId="ADAL" clId="{DC21DE38-9BA3-4502-9935-F68E1589427E}" dt="2025-10-21T01:19:32.933" v="130" actId="20577"/>
+        <pc:sldMkLst>
+          <pc:docMk/>
+          <pc:sldMk cId="4125082363" sldId="280"/>
+        </pc:sldMkLst>
+        <pc:spChg chg="mod">
+          <ac:chgData name="SUN Henry" userId="ad28bb31-feec-467e-aba8-a9c658208cdf" providerId="ADAL" clId="{DC21DE38-9BA3-4502-9935-F68E1589427E}" dt="2025-10-21T01:19:32.933" v="130" actId="20577"/>
+          <ac:spMkLst>
+            <pc:docMk/>
+            <pc:sldMk cId="4125082363" sldId="280"/>
+            <ac:spMk id="3" creationId="{E3A148D6-3FEA-8684-B0C4-841F8A9831D2}"/>
+          </ac:spMkLst>
+        </pc:spChg>
+        <pc:picChg chg="add mod">
+          <ac:chgData name="SUN Henry" userId="ad28bb31-feec-467e-aba8-a9c658208cdf" providerId="ADAL" clId="{DC21DE38-9BA3-4502-9935-F68E1589427E}" dt="2025-10-21T01:19:02.924" v="29" actId="1076"/>
+          <ac:picMkLst>
+            <pc:docMk/>
+            <pc:sldMk cId="4125082363" sldId="280"/>
+            <ac:picMk id="6" creationId="{223A38EF-53A9-95A1-186B-D74136F52007}"/>
+          </ac:picMkLst>
+        </pc:picChg>
+        <pc:picChg chg="del">
+          <ac:chgData name="SUN Henry" userId="ad28bb31-feec-467e-aba8-a9c658208cdf" providerId="ADAL" clId="{DC21DE38-9BA3-4502-9935-F68E1589427E}" dt="2025-10-21T01:18:57.866" v="26" actId="478"/>
+          <ac:picMkLst>
+            <pc:docMk/>
+            <pc:sldMk cId="4125082363" sldId="280"/>
+            <ac:picMk id="7" creationId="{8F0AF35F-367B-9D07-68E0-F35BE13A1516}"/>
+          </ac:picMkLst>
+        </pc:picChg>
       </pc:sldChg>
     </pc:docChg>
   </pc:docChgLst>
@@ -1796,7 +1459,7 @@
           <a:p>
             <a:fld id="{0B4F84E5-4AB8-40D3-AC38-56156A8D300D}" type="datetimeFigureOut">
               <a:rPr lang="en-AU" smtClean="0"/>
-              <a:t>19/10/2025</a:t>
+              <a:t>21/10/2025</a:t>
             </a:fld>
             <a:endParaRPr lang="en-AU"/>
           </a:p>
@@ -2071,7 +1734,7 @@
           <a:p>
             <a:fld id="{0B4F84E5-4AB8-40D3-AC38-56156A8D300D}" type="datetimeFigureOut">
               <a:rPr lang="en-AU" smtClean="0"/>
-              <a:t>19/10/2025</a:t>
+              <a:t>21/10/2025</a:t>
             </a:fld>
             <a:endParaRPr lang="en-AU"/>
           </a:p>
@@ -2265,7 +1928,7 @@
           <a:p>
             <a:fld id="{0B4F84E5-4AB8-40D3-AC38-56156A8D300D}" type="datetimeFigureOut">
               <a:rPr lang="en-AU" smtClean="0"/>
-              <a:t>19/10/2025</a:t>
+              <a:t>21/10/2025</a:t>
             </a:fld>
             <a:endParaRPr lang="en-AU"/>
           </a:p>
@@ -2538,7 +2201,7 @@
           <a:p>
             <a:fld id="{0B4F84E5-4AB8-40D3-AC38-56156A8D300D}" type="datetimeFigureOut">
               <a:rPr lang="en-AU" smtClean="0"/>
-              <a:t>19/10/2025</a:t>
+              <a:t>21/10/2025</a:t>
             </a:fld>
             <a:endParaRPr lang="en-AU"/>
           </a:p>
@@ -2879,7 +2542,7 @@
           <a:p>
             <a:fld id="{0B4F84E5-4AB8-40D3-AC38-56156A8D300D}" type="datetimeFigureOut">
               <a:rPr lang="en-AU" smtClean="0"/>
-              <a:t>19/10/2025</a:t>
+              <a:t>21/10/2025</a:t>
             </a:fld>
             <a:endParaRPr lang="en-AU"/>
           </a:p>
@@ -3502,7 +3165,7 @@
           <a:p>
             <a:fld id="{0B4F84E5-4AB8-40D3-AC38-56156A8D300D}" type="datetimeFigureOut">
               <a:rPr lang="en-AU" smtClean="0"/>
-              <a:t>19/10/2025</a:t>
+              <a:t>21/10/2025</a:t>
             </a:fld>
             <a:endParaRPr lang="en-AU"/>
           </a:p>
@@ -4362,7 +4025,7 @@
           <a:p>
             <a:fld id="{0B4F84E5-4AB8-40D3-AC38-56156A8D300D}" type="datetimeFigureOut">
               <a:rPr lang="en-AU" smtClean="0"/>
-              <a:t>19/10/2025</a:t>
+              <a:t>21/10/2025</a:t>
             </a:fld>
             <a:endParaRPr lang="en-AU"/>
           </a:p>
@@ -4532,7 +4195,7 @@
           <a:p>
             <a:fld id="{0B4F84E5-4AB8-40D3-AC38-56156A8D300D}" type="datetimeFigureOut">
               <a:rPr lang="en-AU" smtClean="0"/>
-              <a:t>19/10/2025</a:t>
+              <a:t>21/10/2025</a:t>
             </a:fld>
             <a:endParaRPr lang="en-AU"/>
           </a:p>
@@ -4712,7 +4375,7 @@
           <a:p>
             <a:fld id="{0B4F84E5-4AB8-40D3-AC38-56156A8D300D}" type="datetimeFigureOut">
               <a:rPr lang="en-AU" smtClean="0"/>
-              <a:t>19/10/2025</a:t>
+              <a:t>21/10/2025</a:t>
             </a:fld>
             <a:endParaRPr lang="en-AU"/>
           </a:p>
@@ -4882,7 +4545,7 @@
           <a:p>
             <a:fld id="{0B4F84E5-4AB8-40D3-AC38-56156A8D300D}" type="datetimeFigureOut">
               <a:rPr lang="en-AU" smtClean="0"/>
-              <a:t>19/10/2025</a:t>
+              <a:t>21/10/2025</a:t>
             </a:fld>
             <a:endParaRPr lang="en-AU"/>
           </a:p>
@@ -5129,7 +4792,7 @@
           <a:p>
             <a:fld id="{0B4F84E5-4AB8-40D3-AC38-56156A8D300D}" type="datetimeFigureOut">
               <a:rPr lang="en-AU" smtClean="0"/>
-              <a:t>19/10/2025</a:t>
+              <a:t>21/10/2025</a:t>
             </a:fld>
             <a:endParaRPr lang="en-AU"/>
           </a:p>
@@ -5421,7 +5084,7 @@
           <a:p>
             <a:fld id="{0B4F84E5-4AB8-40D3-AC38-56156A8D300D}" type="datetimeFigureOut">
               <a:rPr lang="en-AU" smtClean="0"/>
-              <a:t>19/10/2025</a:t>
+              <a:t>21/10/2025</a:t>
             </a:fld>
             <a:endParaRPr lang="en-AU"/>
           </a:p>
@@ -5865,7 +5528,7 @@
           <a:p>
             <a:fld id="{0B4F84E5-4AB8-40D3-AC38-56156A8D300D}" type="datetimeFigureOut">
               <a:rPr lang="en-AU" smtClean="0"/>
-              <a:t>19/10/2025</a:t>
+              <a:t>21/10/2025</a:t>
             </a:fld>
             <a:endParaRPr lang="en-AU"/>
           </a:p>
@@ -5983,7 +5646,7 @@
           <a:p>
             <a:fld id="{0B4F84E5-4AB8-40D3-AC38-56156A8D300D}" type="datetimeFigureOut">
               <a:rPr lang="en-AU" smtClean="0"/>
-              <a:t>19/10/2025</a:t>
+              <a:t>21/10/2025</a:t>
             </a:fld>
             <a:endParaRPr lang="en-AU"/>
           </a:p>
@@ -6078,7 +5741,7 @@
           <a:p>
             <a:fld id="{0B4F84E5-4AB8-40D3-AC38-56156A8D300D}" type="datetimeFigureOut">
               <a:rPr lang="en-AU" smtClean="0"/>
-              <a:t>19/10/2025</a:t>
+              <a:t>21/10/2025</a:t>
             </a:fld>
             <a:endParaRPr lang="en-AU"/>
           </a:p>
@@ -6357,7 +6020,7 @@
           <a:p>
             <a:fld id="{0B4F84E5-4AB8-40D3-AC38-56156A8D300D}" type="datetimeFigureOut">
               <a:rPr lang="en-AU" smtClean="0"/>
-              <a:t>19/10/2025</a:t>
+              <a:t>21/10/2025</a:t>
             </a:fld>
             <a:endParaRPr lang="en-AU"/>
           </a:p>
@@ -6632,7 +6295,7 @@
           <a:p>
             <a:fld id="{0B4F84E5-4AB8-40D3-AC38-56156A8D300D}" type="datetimeFigureOut">
               <a:rPr lang="en-AU" smtClean="0"/>
-              <a:t>19/10/2025</a:t>
+              <a:t>21/10/2025</a:t>
             </a:fld>
             <a:endParaRPr lang="en-AU"/>
           </a:p>
@@ -7075,7 +6738,7 @@
           <a:p>
             <a:fld id="{0B4F84E5-4AB8-40D3-AC38-56156A8D300D}" type="datetimeFigureOut">
               <a:rPr lang="en-AU" smtClean="0"/>
-              <a:t>19/10/2025</a:t>
+              <a:t>21/10/2025</a:t>
             </a:fld>
             <a:endParaRPr lang="en-AU"/>
           </a:p>
@@ -10701,8 +10364,8 @@
           </a:p>
         </p:txBody>
       </p:sp>
-      <mc:AlternateContent xmlns:mc="http://schemas.openxmlformats.org/markup-compatibility/2006">
-        <mc:Choice xmlns:a14="http://schemas.microsoft.com/office/drawing/2010/main" Requires="a14">
+      <mc:AlternateContent xmlns:mc="http://schemas.openxmlformats.org/markup-compatibility/2006" xmlns:a14="http://schemas.microsoft.com/office/drawing/2010/main">
+        <mc:Choice Requires="a14">
           <p:sp>
             <p:nvSpPr>
               <p:cNvPr id="3" name="Content Placeholder 2">
@@ -10974,7 +10637,9 @@
                 <a14:m>
                   <m:oMath xmlns:m="http://schemas.openxmlformats.org/officeDocument/2006/math">
                     <m:r>
-                      <a:rPr lang="el-GR" i="1"/>
+                      <a:rPr lang="el-GR" i="1">
+                        <a:latin typeface="Cambria Math" panose="02040503050406030204" pitchFamily="18" charset="0"/>
+                      </a:rPr>
                       <m:t>𝜋</m:t>
                     </m:r>
                   </m:oMath>
@@ -10984,7 +10649,7 @@
             </p:txBody>
           </p:sp>
         </mc:Choice>
-        <mc:Fallback>
+        <mc:Fallback xmlns="">
           <p:sp>
             <p:nvSpPr>
               <p:cNvPr id="3" name="Content Placeholder 2">
@@ -11397,8 +11062,8 @@
           </a:p>
         </p:txBody>
       </p:sp>
-      <mc:AlternateContent xmlns:mc="http://schemas.openxmlformats.org/markup-compatibility/2006">
-        <mc:Choice xmlns:a14="http://schemas.microsoft.com/office/drawing/2010/main" Requires="a14">
+      <mc:AlternateContent xmlns:mc="http://schemas.openxmlformats.org/markup-compatibility/2006" xmlns:a14="http://schemas.microsoft.com/office/drawing/2010/main">
+        <mc:Choice Requires="a14">
           <p:sp>
             <p:nvSpPr>
               <p:cNvPr id="3" name="Content Placeholder 2">
@@ -11546,7 +11211,9 @@
                 <a14:m>
                   <m:oMath xmlns:m="http://schemas.openxmlformats.org/officeDocument/2006/math">
                     <m:r>
-                      <a:rPr lang="el-GR" i="1"/>
+                      <a:rPr lang="el-GR" i="1">
+                        <a:latin typeface="Cambria Math" panose="02040503050406030204" pitchFamily="18" charset="0"/>
+                      </a:rPr>
                       <m:t>𝜋</m:t>
                     </m:r>
                   </m:oMath>
@@ -11561,7 +11228,7 @@
             </p:txBody>
           </p:sp>
         </mc:Choice>
-        <mc:Fallback>
+        <mc:Fallback xmlns="">
           <p:sp>
             <p:nvSpPr>
               <p:cNvPr id="3" name="Content Placeholder 2">
@@ -11879,6 +11546,23 @@
               <a:t>Results are then printed</a:t>
             </a:r>
           </a:p>
+          <a:p>
+            <a:r>
+              <a:rPr lang="en-US" dirty="0">
+                <a:latin typeface="Consolas" panose="020B0609020204030204" pitchFamily="49" charset="0"/>
+              </a:rPr>
+              <a:t>The amount of total pixels is also calculated (not shown in </a:t>
+            </a:r>
+            <a:r>
+              <a:rPr lang="en-US">
+                <a:latin typeface="Consolas" panose="020B0609020204030204" pitchFamily="49" charset="0"/>
+              </a:rPr>
+              <a:t>below ss)</a:t>
+            </a:r>
+            <a:endParaRPr lang="en-US" dirty="0">
+              <a:latin typeface="Consolas" panose="020B0609020204030204" pitchFamily="49" charset="0"/>
+            </a:endParaRPr>
+          </a:p>
         </p:txBody>
       </p:sp>
       <p:pic>
@@ -11913,10 +11597,10 @@
       </p:pic>
       <p:pic>
         <p:nvPicPr>
-          <p:cNvPr id="7" name="Picture 6">
+          <p:cNvPr id="9" name="Picture 8">
             <a:extLst>
               <a:ext uri="{FF2B5EF4-FFF2-40B4-BE49-F238E27FC236}">
-                <a16:creationId xmlns:a16="http://schemas.microsoft.com/office/drawing/2014/main" id="{8F0AF35F-367B-9D07-68E0-F35BE13A1516}"/>
+                <a16:creationId xmlns:a16="http://schemas.microsoft.com/office/drawing/2014/main" id="{A50998AE-DEAA-26DB-37E2-1103484BAD4E}"/>
               </a:ext>
             </a:extLst>
           </p:cNvPr>
@@ -11933,8 +11617,8 @@
         </p:blipFill>
         <p:spPr>
           <a:xfrm>
-            <a:off x="8014148" y="4246735"/>
-            <a:ext cx="4177852" cy="1400530"/>
+            <a:off x="8014148" y="40700"/>
+            <a:ext cx="4177853" cy="4206035"/>
           </a:xfrm>
           <a:prstGeom prst="rect">
             <a:avLst/>
@@ -11943,10 +11627,10 @@
       </p:pic>
       <p:pic>
         <p:nvPicPr>
-          <p:cNvPr id="9" name="Picture 8">
+          <p:cNvPr id="6" name="Picture 5">
             <a:extLst>
               <a:ext uri="{FF2B5EF4-FFF2-40B4-BE49-F238E27FC236}">
-                <a16:creationId xmlns:a16="http://schemas.microsoft.com/office/drawing/2014/main" id="{A50998AE-DEAA-26DB-37E2-1103484BAD4E}"/>
+                <a16:creationId xmlns:a16="http://schemas.microsoft.com/office/drawing/2014/main" id="{223A38EF-53A9-95A1-186B-D74136F52007}"/>
               </a:ext>
             </a:extLst>
           </p:cNvPr>
@@ -11963,8 +11647,8 @@
         </p:blipFill>
         <p:spPr>
           <a:xfrm>
-            <a:off x="8014148" y="40700"/>
-            <a:ext cx="4177853" cy="4206035"/>
+            <a:off x="6435210" y="4213047"/>
+            <a:ext cx="5756790" cy="1434218"/>
           </a:xfrm>
           <a:prstGeom prst="rect">
             <a:avLst/>
@@ -14437,6 +14121,41 @@
           </a:prstGeom>
         </p:spPr>
       </p:pic>
+      <p:sp>
+        <p:nvSpPr>
+          <p:cNvPr id="4" name="TextBox 3">
+            <a:extLst>
+              <a:ext uri="{FF2B5EF4-FFF2-40B4-BE49-F238E27FC236}">
+                <a16:creationId xmlns:a16="http://schemas.microsoft.com/office/drawing/2014/main" id="{A624C838-DEE0-1715-F5E3-9390C0D63A3F}"/>
+              </a:ext>
+            </a:extLst>
+          </p:cNvPr>
+          <p:cNvSpPr txBox="1"/>
+          <p:nvPr/>
+        </p:nvSpPr>
+        <p:spPr>
+          <a:xfrm>
+            <a:off x="4487853" y="4196142"/>
+            <a:ext cx="3046130" cy="230832"/>
+          </a:xfrm>
+          <a:prstGeom prst="rect">
+            <a:avLst/>
+          </a:prstGeom>
+          <a:noFill/>
+        </p:spPr>
+        <p:txBody>
+          <a:bodyPr wrap="square" rtlCol="0">
+            <a:spAutoFit/>
+          </a:bodyPr>
+          <a:lstStyle/>
+          <a:p>
+            <a:r>
+              <a:rPr lang="en-AU" sz="900" dirty="0"/>
+              <a:t>This was changed to 9</a:t>
+            </a:r>
+          </a:p>
+        </p:txBody>
+      </p:sp>
     </p:spTree>
     <p:extLst>
       <p:ext uri="{BB962C8B-B14F-4D97-AF65-F5344CB8AC3E}">

--- a/Y9 INV 2 – Sampling & Distribution.pptx
+++ b/Y9 INV 2 – Sampling & Distribution.pptx
@@ -1218,10 +1218,25 @@
   <pc:docChgLst>
     <pc:chgData name="SUN Henry" userId="ad28bb31-feec-467e-aba8-a9c658208cdf" providerId="ADAL" clId="{DC21DE38-9BA3-4502-9935-F68E1589427E}"/>
     <pc:docChg chg="custSel modSld">
-      <pc:chgData name="SUN Henry" userId="ad28bb31-feec-467e-aba8-a9c658208cdf" providerId="ADAL" clId="{DC21DE38-9BA3-4502-9935-F68E1589427E}" dt="2025-10-21T01:19:32.933" v="130" actId="20577"/>
+      <pc:chgData name="SUN Henry" userId="ad28bb31-feec-467e-aba8-a9c658208cdf" providerId="ADAL" clId="{DC21DE38-9BA3-4502-9935-F68E1589427E}" dt="2025-10-21T01:36:47.837" v="134" actId="1076"/>
       <pc:docMkLst>
         <pc:docMk/>
       </pc:docMkLst>
+      <pc:sldChg chg="addSp modSp mod">
+        <pc:chgData name="SUN Henry" userId="ad28bb31-feec-467e-aba8-a9c658208cdf" providerId="ADAL" clId="{DC21DE38-9BA3-4502-9935-F68E1589427E}" dt="2025-10-21T01:36:47.837" v="134" actId="1076"/>
+        <pc:sldMkLst>
+          <pc:docMk/>
+          <pc:sldMk cId="2172333855" sldId="257"/>
+        </pc:sldMkLst>
+        <pc:picChg chg="add mod">
+          <ac:chgData name="SUN Henry" userId="ad28bb31-feec-467e-aba8-a9c658208cdf" providerId="ADAL" clId="{DC21DE38-9BA3-4502-9935-F68E1589427E}" dt="2025-10-21T01:36:47.837" v="134" actId="1076"/>
+          <ac:picMkLst>
+            <pc:docMk/>
+            <pc:sldMk cId="2172333855" sldId="257"/>
+            <ac:picMk id="6" creationId="{17BD2D39-424B-CC95-4C18-959055EE666D}"/>
+          </ac:picMkLst>
+        </pc:picChg>
+      </pc:sldChg>
       <pc:sldChg chg="addSp modSp mod">
         <pc:chgData name="SUN Henry" userId="ad28bb31-feec-467e-aba8-a9c658208cdf" providerId="ADAL" clId="{DC21DE38-9BA3-4502-9935-F68E1589427E}" dt="2025-10-21T01:05:02.420" v="25" actId="1076"/>
         <pc:sldMkLst>
@@ -9762,6 +9777,36 @@
           </a:prstGeom>
         </p:spPr>
       </p:pic>
+      <p:pic>
+        <p:nvPicPr>
+          <p:cNvPr id="6" name="Picture 5">
+            <a:extLst>
+              <a:ext uri="{FF2B5EF4-FFF2-40B4-BE49-F238E27FC236}">
+                <a16:creationId xmlns:a16="http://schemas.microsoft.com/office/drawing/2014/main" id="{17BD2D39-424B-CC95-4C18-959055EE666D}"/>
+              </a:ext>
+            </a:extLst>
+          </p:cNvPr>
+          <p:cNvPicPr>
+            <a:picLocks noChangeAspect="1"/>
+          </p:cNvPicPr>
+          <p:nvPr/>
+        </p:nvPicPr>
+        <p:blipFill>
+          <a:blip r:embed="rId7"/>
+          <a:stretch>
+            <a:fillRect/>
+          </a:stretch>
+        </p:blipFill>
+        <p:spPr>
+          <a:xfrm>
+            <a:off x="3870774" y="613552"/>
+            <a:ext cx="6367600" cy="540460"/>
+          </a:xfrm>
+          <a:prstGeom prst="rect">
+            <a:avLst/>
+          </a:prstGeom>
+        </p:spPr>
+      </p:pic>
     </p:spTree>
     <p:extLst>
       <p:ext uri="{BB962C8B-B14F-4D97-AF65-F5344CB8AC3E}">

--- a/Y9 INV 2 – Sampling & Distribution.pptx
+++ b/Y9 INV 2 – Sampling & Distribution.pptx
@@ -143,7 +143,7 @@
 <file path=ppt/revisionInfo.xml><?xml version="1.0" encoding="utf-8"?>
 <p1510:revInfo xmlns:a="http://schemas.openxmlformats.org/drawingml/2006/main" xmlns:r="http://schemas.openxmlformats.org/officeDocument/2006/relationships" xmlns:p1510="http://schemas.microsoft.com/office/powerpoint/2015/10/main">
   <p1510:revLst>
-    <p1510:client id="{FFA5B825-F6B6-4659-B16B-1BFC8771DB5C}" v="1" dt="2025-10-21T01:04:45.005"/>
+    <p1510:client id="{FFA5B825-F6B6-4659-B16B-1BFC8771DB5C}" v="3" dt="2025-10-22T13:58:38.545"/>
   </p1510:revLst>
 </p1510:revInfo>
 </file>
@@ -1088,14 +1088,6 @@
             <ac:spMk id="3" creationId="{3E858C81-017E-EDD7-F449-F0F569BE86E2}"/>
           </ac:spMkLst>
         </pc:spChg>
-        <pc:picChg chg="add mod">
-          <ac:chgData name="SUN Henry" userId="ad28bb31-feec-467e-aba8-a9c658208cdf" providerId="ADAL" clId="{31157CF8-0C1B-4D30-8FF3-36092DCFD3FF}" dt="2025-10-19T03:34:35.881" v="8603" actId="1076"/>
-          <ac:picMkLst>
-            <pc:docMk/>
-            <pc:sldMk cId="1178790836" sldId="281"/>
-            <ac:picMk id="5" creationId="{B3F2974D-7437-8277-2AAD-EEE0DBFD381C}"/>
-          </ac:picMkLst>
-        </pc:picChg>
       </pc:sldChg>
       <pc:sldChg chg="addSp delSp modSp new mod">
         <pc:chgData name="SUN Henry" userId="ad28bb31-feec-467e-aba8-a9c658208cdf" providerId="ADAL" clId="{31157CF8-0C1B-4D30-8FF3-36092DCFD3FF}" dt="2025-10-19T03:59:07.290" v="9107" actId="207"/>
@@ -1135,14 +1127,6 @@
             <ac:picMk id="14" creationId="{01D6A709-7947-FFA2-CBE3-AF3A5D97FC3F}"/>
           </ac:picMkLst>
         </pc:picChg>
-        <pc:picChg chg="add mod">
-          <ac:chgData name="SUN Henry" userId="ad28bb31-feec-467e-aba8-a9c658208cdf" providerId="ADAL" clId="{31157CF8-0C1B-4D30-8FF3-36092DCFD3FF}" dt="2025-10-19T03:53:10.376" v="8712" actId="14100"/>
-          <ac:picMkLst>
-            <pc:docMk/>
-            <pc:sldMk cId="3269705666" sldId="282"/>
-            <ac:picMk id="17" creationId="{956694A4-C45E-D938-9892-EC75D40FDDAD}"/>
-          </ac:picMkLst>
-        </pc:picChg>
       </pc:sldChg>
       <pc:sldChg chg="addSp delSp modSp new mod">
         <pc:chgData name="SUN Henry" userId="ad28bb31-feec-467e-aba8-a9c658208cdf" providerId="ADAL" clId="{31157CF8-0C1B-4D30-8FF3-36092DCFD3FF}" dt="2025-10-19T03:58:33.418" v="9102" actId="207"/>
@@ -1172,14 +1156,6 @@
             <pc:docMk/>
             <pc:sldMk cId="1526350303" sldId="283"/>
             <ac:picMk id="9" creationId="{6970B728-1A8D-970A-15B8-3C3F5FA8A475}"/>
-          </ac:picMkLst>
-        </pc:picChg>
-        <pc:picChg chg="add mod">
-          <ac:chgData name="SUN Henry" userId="ad28bb31-feec-467e-aba8-a9c658208cdf" providerId="ADAL" clId="{31157CF8-0C1B-4D30-8FF3-36092DCFD3FF}" dt="2025-10-19T03:56:56.791" v="8955" actId="14100"/>
-          <ac:picMkLst>
-            <pc:docMk/>
-            <pc:sldMk cId="1526350303" sldId="283"/>
-            <ac:picMk id="11" creationId="{47C88255-251C-DD90-5E39-C7A1D87B830B}"/>
           </ac:picMkLst>
         </pc:picChg>
       </pc:sldChg>
@@ -1218,7 +1194,7 @@
   <pc:docChgLst>
     <pc:chgData name="SUN Henry" userId="ad28bb31-feec-467e-aba8-a9c658208cdf" providerId="ADAL" clId="{DC21DE38-9BA3-4502-9935-F68E1589427E}"/>
     <pc:docChg chg="custSel modSld">
-      <pc:chgData name="SUN Henry" userId="ad28bb31-feec-467e-aba8-a9c658208cdf" providerId="ADAL" clId="{DC21DE38-9BA3-4502-9935-F68E1589427E}" dt="2025-10-21T01:36:47.837" v="134" actId="1076"/>
+      <pc:chgData name="SUN Henry" userId="ad28bb31-feec-467e-aba8-a9c658208cdf" providerId="ADAL" clId="{DC21DE38-9BA3-4502-9935-F68E1589427E}" dt="2025-10-22T13:58:45.435" v="173" actId="1076"/>
       <pc:docMkLst>
         <pc:docMk/>
       </pc:docMkLst>
@@ -1283,6 +1259,131 @@
           </ac:picMkLst>
         </pc:picChg>
       </pc:sldChg>
+      <pc:sldChg chg="addSp delSp modSp mod">
+        <pc:chgData name="SUN Henry" userId="ad28bb31-feec-467e-aba8-a9c658208cdf" providerId="ADAL" clId="{DC21DE38-9BA3-4502-9935-F68E1589427E}" dt="2025-10-22T13:55:56.244" v="160" actId="20577"/>
+        <pc:sldMkLst>
+          <pc:docMk/>
+          <pc:sldMk cId="1178790836" sldId="281"/>
+        </pc:sldMkLst>
+        <pc:spChg chg="mod">
+          <ac:chgData name="SUN Henry" userId="ad28bb31-feec-467e-aba8-a9c658208cdf" providerId="ADAL" clId="{DC21DE38-9BA3-4502-9935-F68E1589427E}" dt="2025-10-22T13:55:56.244" v="160" actId="20577"/>
+          <ac:spMkLst>
+            <pc:docMk/>
+            <pc:sldMk cId="1178790836" sldId="281"/>
+            <ac:spMk id="3" creationId="{3E858C81-017E-EDD7-F449-F0F569BE86E2}"/>
+          </ac:spMkLst>
+        </pc:spChg>
+        <pc:picChg chg="del">
+          <ac:chgData name="SUN Henry" userId="ad28bb31-feec-467e-aba8-a9c658208cdf" providerId="ADAL" clId="{DC21DE38-9BA3-4502-9935-F68E1589427E}" dt="2025-10-22T13:52:13.194" v="145" actId="478"/>
+          <ac:picMkLst>
+            <pc:docMk/>
+            <pc:sldMk cId="1178790836" sldId="281"/>
+            <ac:picMk id="5" creationId="{B3F2974D-7437-8277-2AAD-EEE0DBFD381C}"/>
+          </ac:picMkLst>
+        </pc:picChg>
+        <pc:picChg chg="add del mod">
+          <ac:chgData name="SUN Henry" userId="ad28bb31-feec-467e-aba8-a9c658208cdf" providerId="ADAL" clId="{DC21DE38-9BA3-4502-9935-F68E1589427E}" dt="2025-10-22T13:55:44.058" v="150" actId="478"/>
+          <ac:picMkLst>
+            <pc:docMk/>
+            <pc:sldMk cId="1178790836" sldId="281"/>
+            <ac:picMk id="6" creationId="{AD61D553-D2AD-6F41-4D45-9F93C0A1085C}"/>
+          </ac:picMkLst>
+        </pc:picChg>
+        <pc:picChg chg="add mod">
+          <ac:chgData name="SUN Henry" userId="ad28bb31-feec-467e-aba8-a9c658208cdf" providerId="ADAL" clId="{DC21DE38-9BA3-4502-9935-F68E1589427E}" dt="2025-10-22T13:55:49.989" v="153" actId="1076"/>
+          <ac:picMkLst>
+            <pc:docMk/>
+            <pc:sldMk cId="1178790836" sldId="281"/>
+            <ac:picMk id="8" creationId="{190819FC-E3E4-3423-EE5F-0E641C7349EC}"/>
+          </ac:picMkLst>
+        </pc:picChg>
+      </pc:sldChg>
+      <pc:sldChg chg="addSp delSp modSp mod">
+        <pc:chgData name="SUN Henry" userId="ad28bb31-feec-467e-aba8-a9c658208cdf" providerId="ADAL" clId="{DC21DE38-9BA3-4502-9935-F68E1589427E}" dt="2025-10-22T13:58:10.297" v="167" actId="1076"/>
+        <pc:sldMkLst>
+          <pc:docMk/>
+          <pc:sldMk cId="3269705666" sldId="282"/>
+        </pc:sldMkLst>
+        <pc:graphicFrameChg chg="mod">
+          <ac:chgData name="SUN Henry" userId="ad28bb31-feec-467e-aba8-a9c658208cdf" providerId="ADAL" clId="{DC21DE38-9BA3-4502-9935-F68E1589427E}" dt="2025-10-22T13:58:10.297" v="167" actId="1076"/>
+          <ac:graphicFrameMkLst>
+            <pc:docMk/>
+            <pc:sldMk cId="3269705666" sldId="282"/>
+            <ac:graphicFrameMk id="15" creationId="{151D2442-3476-B0ED-F336-07288ACA0880}"/>
+          </ac:graphicFrameMkLst>
+        </pc:graphicFrameChg>
+        <pc:picChg chg="add mod">
+          <ac:chgData name="SUN Henry" userId="ad28bb31-feec-467e-aba8-a9c658208cdf" providerId="ADAL" clId="{DC21DE38-9BA3-4502-9935-F68E1589427E}" dt="2025-10-22T13:50:55.666" v="139" actId="14100"/>
+          <ac:picMkLst>
+            <pc:docMk/>
+            <pc:sldMk cId="3269705666" sldId="282"/>
+            <ac:picMk id="4" creationId="{2B695A77-7150-BDE2-2845-F43F99C2D22C}"/>
+          </ac:picMkLst>
+        </pc:picChg>
+        <pc:picChg chg="add mod">
+          <ac:chgData name="SUN Henry" userId="ad28bb31-feec-467e-aba8-a9c658208cdf" providerId="ADAL" clId="{DC21DE38-9BA3-4502-9935-F68E1589427E}" dt="2025-10-22T13:58:08.828" v="166" actId="962"/>
+          <ac:picMkLst>
+            <pc:docMk/>
+            <pc:sldMk cId="3269705666" sldId="282"/>
+            <ac:picMk id="6" creationId="{26F5AD67-D05B-393D-7684-023195D5717D}"/>
+          </ac:picMkLst>
+        </pc:picChg>
+        <pc:picChg chg="del">
+          <ac:chgData name="SUN Henry" userId="ad28bb31-feec-467e-aba8-a9c658208cdf" providerId="ADAL" clId="{DC21DE38-9BA3-4502-9935-F68E1589427E}" dt="2025-10-22T13:57:26.343" v="161" actId="478"/>
+          <ac:picMkLst>
+            <pc:docMk/>
+            <pc:sldMk cId="3269705666" sldId="282"/>
+            <ac:picMk id="14" creationId="{01D6A709-7947-FFA2-CBE3-AF3A5D97FC3F}"/>
+          </ac:picMkLst>
+        </pc:picChg>
+        <pc:picChg chg="del">
+          <ac:chgData name="SUN Henry" userId="ad28bb31-feec-467e-aba8-a9c658208cdf" providerId="ADAL" clId="{DC21DE38-9BA3-4502-9935-F68E1589427E}" dt="2025-10-22T13:50:41.960" v="135" actId="478"/>
+          <ac:picMkLst>
+            <pc:docMk/>
+            <pc:sldMk cId="3269705666" sldId="282"/>
+            <ac:picMk id="17" creationId="{956694A4-C45E-D938-9892-EC75D40FDDAD}"/>
+          </ac:picMkLst>
+        </pc:picChg>
+      </pc:sldChg>
+      <pc:sldChg chg="addSp delSp modSp mod">
+        <pc:chgData name="SUN Henry" userId="ad28bb31-feec-467e-aba8-a9c658208cdf" providerId="ADAL" clId="{DC21DE38-9BA3-4502-9935-F68E1589427E}" dt="2025-10-22T13:58:45.435" v="173" actId="1076"/>
+        <pc:sldMkLst>
+          <pc:docMk/>
+          <pc:sldMk cId="1526350303" sldId="283"/>
+        </pc:sldMkLst>
+        <pc:picChg chg="add mod">
+          <ac:chgData name="SUN Henry" userId="ad28bb31-feec-467e-aba8-a9c658208cdf" providerId="ADAL" clId="{DC21DE38-9BA3-4502-9935-F68E1589427E}" dt="2025-10-22T13:51:32.423" v="143" actId="1076"/>
+          <ac:picMkLst>
+            <pc:docMk/>
+            <pc:sldMk cId="1526350303" sldId="283"/>
+            <ac:picMk id="5" creationId="{28CFF049-5B84-6C48-01B8-E6F711560F40}"/>
+          </ac:picMkLst>
+        </pc:picChg>
+        <pc:picChg chg="add mod">
+          <ac:chgData name="SUN Henry" userId="ad28bb31-feec-467e-aba8-a9c658208cdf" providerId="ADAL" clId="{DC21DE38-9BA3-4502-9935-F68E1589427E}" dt="2025-10-22T13:58:45.435" v="173" actId="1076"/>
+          <ac:picMkLst>
+            <pc:docMk/>
+            <pc:sldMk cId="1526350303" sldId="283"/>
+            <ac:picMk id="7" creationId="{7465414F-2E79-82BC-0148-D9AA0653CC60}"/>
+          </ac:picMkLst>
+        </pc:picChg>
+        <pc:picChg chg="del mod">
+          <ac:chgData name="SUN Henry" userId="ad28bb31-feec-467e-aba8-a9c658208cdf" providerId="ADAL" clId="{DC21DE38-9BA3-4502-9935-F68E1589427E}" dt="2025-10-22T13:58:13.349" v="168" actId="478"/>
+          <ac:picMkLst>
+            <pc:docMk/>
+            <pc:sldMk cId="1526350303" sldId="283"/>
+            <ac:picMk id="9" creationId="{6970B728-1A8D-970A-15B8-3C3F5FA8A475}"/>
+          </ac:picMkLst>
+        </pc:picChg>
+        <pc:picChg chg="del">
+          <ac:chgData name="SUN Henry" userId="ad28bb31-feec-467e-aba8-a9c658208cdf" providerId="ADAL" clId="{DC21DE38-9BA3-4502-9935-F68E1589427E}" dt="2025-10-22T13:51:23.465" v="140" actId="478"/>
+          <ac:picMkLst>
+            <pc:docMk/>
+            <pc:sldMk cId="1526350303" sldId="283"/>
+            <ac:picMk id="11" creationId="{47C88255-251C-DD90-5E39-C7A1D87B830B}"/>
+          </ac:picMkLst>
+        </pc:picChg>
+      </pc:sldChg>
     </pc:docChg>
   </pc:docChgLst>
 </pc:chgInfo>
@@ -1474,7 +1575,7 @@
           <a:p>
             <a:fld id="{0B4F84E5-4AB8-40D3-AC38-56156A8D300D}" type="datetimeFigureOut">
               <a:rPr lang="en-AU" smtClean="0"/>
-              <a:t>21/10/2025</a:t>
+              <a:t>22/10/2025</a:t>
             </a:fld>
             <a:endParaRPr lang="en-AU"/>
           </a:p>
@@ -1749,7 +1850,7 @@
           <a:p>
             <a:fld id="{0B4F84E5-4AB8-40D3-AC38-56156A8D300D}" type="datetimeFigureOut">
               <a:rPr lang="en-AU" smtClean="0"/>
-              <a:t>21/10/2025</a:t>
+              <a:t>22/10/2025</a:t>
             </a:fld>
             <a:endParaRPr lang="en-AU"/>
           </a:p>
@@ -1943,7 +2044,7 @@
           <a:p>
             <a:fld id="{0B4F84E5-4AB8-40D3-AC38-56156A8D300D}" type="datetimeFigureOut">
               <a:rPr lang="en-AU" smtClean="0"/>
-              <a:t>21/10/2025</a:t>
+              <a:t>22/10/2025</a:t>
             </a:fld>
             <a:endParaRPr lang="en-AU"/>
           </a:p>
@@ -2216,7 +2317,7 @@
           <a:p>
             <a:fld id="{0B4F84E5-4AB8-40D3-AC38-56156A8D300D}" type="datetimeFigureOut">
               <a:rPr lang="en-AU" smtClean="0"/>
-              <a:t>21/10/2025</a:t>
+              <a:t>22/10/2025</a:t>
             </a:fld>
             <a:endParaRPr lang="en-AU"/>
           </a:p>
@@ -2557,7 +2658,7 @@
           <a:p>
             <a:fld id="{0B4F84E5-4AB8-40D3-AC38-56156A8D300D}" type="datetimeFigureOut">
               <a:rPr lang="en-AU" smtClean="0"/>
-              <a:t>21/10/2025</a:t>
+              <a:t>22/10/2025</a:t>
             </a:fld>
             <a:endParaRPr lang="en-AU"/>
           </a:p>
@@ -3180,7 +3281,7 @@
           <a:p>
             <a:fld id="{0B4F84E5-4AB8-40D3-AC38-56156A8D300D}" type="datetimeFigureOut">
               <a:rPr lang="en-AU" smtClean="0"/>
-              <a:t>21/10/2025</a:t>
+              <a:t>22/10/2025</a:t>
             </a:fld>
             <a:endParaRPr lang="en-AU"/>
           </a:p>
@@ -4040,7 +4141,7 @@
           <a:p>
             <a:fld id="{0B4F84E5-4AB8-40D3-AC38-56156A8D300D}" type="datetimeFigureOut">
               <a:rPr lang="en-AU" smtClean="0"/>
-              <a:t>21/10/2025</a:t>
+              <a:t>22/10/2025</a:t>
             </a:fld>
             <a:endParaRPr lang="en-AU"/>
           </a:p>
@@ -4210,7 +4311,7 @@
           <a:p>
             <a:fld id="{0B4F84E5-4AB8-40D3-AC38-56156A8D300D}" type="datetimeFigureOut">
               <a:rPr lang="en-AU" smtClean="0"/>
-              <a:t>21/10/2025</a:t>
+              <a:t>22/10/2025</a:t>
             </a:fld>
             <a:endParaRPr lang="en-AU"/>
           </a:p>
@@ -4390,7 +4491,7 @@
           <a:p>
             <a:fld id="{0B4F84E5-4AB8-40D3-AC38-56156A8D300D}" type="datetimeFigureOut">
               <a:rPr lang="en-AU" smtClean="0"/>
-              <a:t>21/10/2025</a:t>
+              <a:t>22/10/2025</a:t>
             </a:fld>
             <a:endParaRPr lang="en-AU"/>
           </a:p>
@@ -4560,7 +4661,7 @@
           <a:p>
             <a:fld id="{0B4F84E5-4AB8-40D3-AC38-56156A8D300D}" type="datetimeFigureOut">
               <a:rPr lang="en-AU" smtClean="0"/>
-              <a:t>21/10/2025</a:t>
+              <a:t>22/10/2025</a:t>
             </a:fld>
             <a:endParaRPr lang="en-AU"/>
           </a:p>
@@ -4807,7 +4908,7 @@
           <a:p>
             <a:fld id="{0B4F84E5-4AB8-40D3-AC38-56156A8D300D}" type="datetimeFigureOut">
               <a:rPr lang="en-AU" smtClean="0"/>
-              <a:t>21/10/2025</a:t>
+              <a:t>22/10/2025</a:t>
             </a:fld>
             <a:endParaRPr lang="en-AU"/>
           </a:p>
@@ -5099,7 +5200,7 @@
           <a:p>
             <a:fld id="{0B4F84E5-4AB8-40D3-AC38-56156A8D300D}" type="datetimeFigureOut">
               <a:rPr lang="en-AU" smtClean="0"/>
-              <a:t>21/10/2025</a:t>
+              <a:t>22/10/2025</a:t>
             </a:fld>
             <a:endParaRPr lang="en-AU"/>
           </a:p>
@@ -5543,7 +5644,7 @@
           <a:p>
             <a:fld id="{0B4F84E5-4AB8-40D3-AC38-56156A8D300D}" type="datetimeFigureOut">
               <a:rPr lang="en-AU" smtClean="0"/>
-              <a:t>21/10/2025</a:t>
+              <a:t>22/10/2025</a:t>
             </a:fld>
             <a:endParaRPr lang="en-AU"/>
           </a:p>
@@ -5661,7 +5762,7 @@
           <a:p>
             <a:fld id="{0B4F84E5-4AB8-40D3-AC38-56156A8D300D}" type="datetimeFigureOut">
               <a:rPr lang="en-AU" smtClean="0"/>
-              <a:t>21/10/2025</a:t>
+              <a:t>22/10/2025</a:t>
             </a:fld>
             <a:endParaRPr lang="en-AU"/>
           </a:p>
@@ -5756,7 +5857,7 @@
           <a:p>
             <a:fld id="{0B4F84E5-4AB8-40D3-AC38-56156A8D300D}" type="datetimeFigureOut">
               <a:rPr lang="en-AU" smtClean="0"/>
-              <a:t>21/10/2025</a:t>
+              <a:t>22/10/2025</a:t>
             </a:fld>
             <a:endParaRPr lang="en-AU"/>
           </a:p>
@@ -6035,7 +6136,7 @@
           <a:p>
             <a:fld id="{0B4F84E5-4AB8-40D3-AC38-56156A8D300D}" type="datetimeFigureOut">
               <a:rPr lang="en-AU" smtClean="0"/>
-              <a:t>21/10/2025</a:t>
+              <a:t>22/10/2025</a:t>
             </a:fld>
             <a:endParaRPr lang="en-AU"/>
           </a:p>
@@ -6310,7 +6411,7 @@
           <a:p>
             <a:fld id="{0B4F84E5-4AB8-40D3-AC38-56156A8D300D}" type="datetimeFigureOut">
               <a:rPr lang="en-AU" smtClean="0"/>
-              <a:t>21/10/2025</a:t>
+              <a:t>22/10/2025</a:t>
             </a:fld>
             <a:endParaRPr lang="en-AU"/>
           </a:p>
@@ -6753,7 +6854,7 @@
           <a:p>
             <a:fld id="{0B4F84E5-4AB8-40D3-AC38-56156A8D300D}" type="datetimeFigureOut">
               <a:rPr lang="en-AU" smtClean="0"/>
-              <a:t>21/10/2025</a:t>
+              <a:t>22/10/2025</a:t>
             </a:fld>
             <a:endParaRPr lang="en-AU"/>
           </a:p>
@@ -11777,8 +11878,8 @@
         </p:nvSpPr>
         <p:spPr>
           <a:xfrm>
-            <a:off x="1136840" y="1577430"/>
-            <a:ext cx="8946541" cy="4195481"/>
+            <a:off x="1136841" y="1577430"/>
+            <a:ext cx="5517960" cy="4195481"/>
           </a:xfrm>
         </p:spPr>
         <p:txBody>
@@ -11846,17 +11947,17 @@
               <a:rPr lang="en-AU" dirty="0">
                 <a:latin typeface="Consolas" panose="020B0609020204030204" pitchFamily="49" charset="0"/>
               </a:rPr>
-              <a:t>The results are also written into a txt document</a:t>
+              <a:t>The results are also written into a txt file</a:t>
             </a:r>
           </a:p>
         </p:txBody>
       </p:sp>
       <p:pic>
         <p:nvPicPr>
-          <p:cNvPr id="5" name="Picture 4">
+          <p:cNvPr id="8" name="Picture 7">
             <a:extLst>
               <a:ext uri="{FF2B5EF4-FFF2-40B4-BE49-F238E27FC236}">
-                <a16:creationId xmlns:a16="http://schemas.microsoft.com/office/drawing/2014/main" id="{B3F2974D-7437-8277-2AAD-EEE0DBFD381C}"/>
+                <a16:creationId xmlns:a16="http://schemas.microsoft.com/office/drawing/2014/main" id="{190819FC-E3E4-3423-EE5F-0E641C7349EC}"/>
               </a:ext>
             </a:extLst>
           </p:cNvPr>
@@ -11873,8 +11974,8 @@
         </p:blipFill>
         <p:spPr>
           <a:xfrm>
-            <a:off x="1136840" y="3985594"/>
-            <a:ext cx="7611537" cy="2419688"/>
+            <a:off x="6942994" y="2767503"/>
+            <a:ext cx="4919637" cy="3761439"/>
           </a:xfrm>
           <a:prstGeom prst="rect">
             <a:avLst/>
@@ -12037,42 +12138,6 @@
           </a:p>
         </p:txBody>
       </p:sp>
-      <p:pic>
-        <p:nvPicPr>
-          <p:cNvPr id="14" name="Picture 13" descr="A graph of a graph&#10;&#10;AI-generated content may be incorrect.">
-            <a:extLst>
-              <a:ext uri="{FF2B5EF4-FFF2-40B4-BE49-F238E27FC236}">
-                <a16:creationId xmlns:a16="http://schemas.microsoft.com/office/drawing/2014/main" id="{01D6A709-7947-FFA2-CBE3-AF3A5D97FC3F}"/>
-              </a:ext>
-            </a:extLst>
-          </p:cNvPr>
-          <p:cNvPicPr>
-            <a:picLocks noChangeAspect="1"/>
-          </p:cNvPicPr>
-          <p:nvPr/>
-        </p:nvPicPr>
-        <p:blipFill>
-          <a:blip r:embed="rId2">
-            <a:extLst>
-              <a:ext uri="{28A0092B-C50C-407E-A947-70E740481C1C}">
-                <a14:useLocalDpi xmlns:a14="http://schemas.microsoft.com/office/drawing/2010/main" val="0"/>
-              </a:ext>
-            </a:extLst>
-          </a:blip>
-          <a:stretch>
-            <a:fillRect/>
-          </a:stretch>
-        </p:blipFill>
-        <p:spPr>
-          <a:xfrm>
-            <a:off x="6199939" y="3820813"/>
-            <a:ext cx="6011233" cy="3027532"/>
-          </a:xfrm>
-          <a:prstGeom prst="rect">
-            <a:avLst/>
-          </a:prstGeom>
-        </p:spPr>
-      </p:pic>
       <p:graphicFrame>
         <p:nvGraphicFramePr>
           <p:cNvPr id="15" name="Object 14">
@@ -12088,25 +12153,25 @@
           <p:nvPr>
             <p:extLst>
               <p:ext uri="{D42A27DB-BD31-4B8C-83A1-F6EECF244321}">
-                <p14:modId xmlns:p14="http://schemas.microsoft.com/office/powerpoint/2010/main" val="2669803818"/>
+                <p14:modId xmlns:p14="http://schemas.microsoft.com/office/powerpoint/2010/main" val="843530322"/>
               </p:ext>
             </p:extLst>
           </p:nvPr>
         </p:nvGraphicFramePr>
         <p:xfrm>
-          <a:off x="9717399" y="2638350"/>
+          <a:off x="9717398" y="2214787"/>
           <a:ext cx="2028825" cy="514350"/>
         </p:xfrm>
         <a:graphic>
           <a:graphicData uri="http://schemas.openxmlformats.org/presentationml/2006/ole">
             <mc:AlternateContent xmlns:mc="http://schemas.openxmlformats.org/markup-compatibility/2006">
               <mc:Choice xmlns:v="urn:schemas-microsoft-com:vml" Requires="v">
-                <p:oleObj name="Packager Shell Object" showAsIcon="1" r:id="rId3" imgW="2028806" imgH="514350" progId="Package">
+                <p:oleObj name="Packager Shell Object" showAsIcon="1" r:id="rId2" imgW="2028806" imgH="514350" progId="Package">
                   <p:embed/>
                 </p:oleObj>
               </mc:Choice>
               <mc:Fallback>
-                <p:oleObj name="Packager Shell Object" showAsIcon="1" r:id="rId3" imgW="2028806" imgH="514350" progId="Package">
+                <p:oleObj name="Packager Shell Object" showAsIcon="1" r:id="rId2" imgW="2028806" imgH="514350" progId="Package">
                   <p:embed/>
                   <p:pic>
                     <p:nvPicPr>
@@ -12121,14 +12186,14 @@
                       <p:nvPr/>
                     </p:nvPicPr>
                     <p:blipFill>
-                      <a:blip r:embed="rId4"/>
+                      <a:blip r:embed="rId3"/>
                       <a:stretch>
                         <a:fillRect/>
                       </a:stretch>
                     </p:blipFill>
                     <p:spPr>
                       <a:xfrm>
-                        <a:off x="9717399" y="2638350"/>
+                        <a:off x="9717398" y="2214787"/>
                         <a:ext cx="2028825" cy="514350"/>
                       </a:xfrm>
                       <a:prstGeom prst="rect">
@@ -12144,10 +12209,10 @@
       </p:graphicFrame>
       <p:pic>
         <p:nvPicPr>
-          <p:cNvPr id="17" name="Picture 16">
+          <p:cNvPr id="4" name="Picture 3">
             <a:extLst>
               <a:ext uri="{FF2B5EF4-FFF2-40B4-BE49-F238E27FC236}">
-                <a16:creationId xmlns:a16="http://schemas.microsoft.com/office/drawing/2014/main" id="{956694A4-C45E-D938-9892-EC75D40FDDAD}"/>
+                <a16:creationId xmlns:a16="http://schemas.microsoft.com/office/drawing/2014/main" id="{2B695A77-7150-BDE2-2845-F43F99C2D22C}"/>
               </a:ext>
             </a:extLst>
           </p:cNvPr>
@@ -12157,15 +12222,51 @@
           <p:nvPr/>
         </p:nvPicPr>
         <p:blipFill>
-          <a:blip r:embed="rId5"/>
+          <a:blip r:embed="rId4"/>
           <a:stretch>
             <a:fillRect/>
           </a:stretch>
         </p:blipFill>
         <p:spPr>
           <a:xfrm>
-            <a:off x="0" y="3820813"/>
-            <a:ext cx="6610350" cy="3037188"/>
+            <a:off x="0" y="4442974"/>
+            <a:ext cx="6170945" cy="2405371"/>
+          </a:xfrm>
+          <a:prstGeom prst="rect">
+            <a:avLst/>
+          </a:prstGeom>
+        </p:spPr>
+      </p:pic>
+      <p:pic>
+        <p:nvPicPr>
+          <p:cNvPr id="6" name="Picture 5" descr="A graph of a number of trials needed&#10;&#10;AI-generated content may be incorrect.">
+            <a:extLst>
+              <a:ext uri="{FF2B5EF4-FFF2-40B4-BE49-F238E27FC236}">
+                <a16:creationId xmlns:a16="http://schemas.microsoft.com/office/drawing/2014/main" id="{26F5AD67-D05B-393D-7684-023195D5717D}"/>
+              </a:ext>
+            </a:extLst>
+          </p:cNvPr>
+          <p:cNvPicPr>
+            <a:picLocks noChangeAspect="1"/>
+          </p:cNvPicPr>
+          <p:nvPr/>
+        </p:nvPicPr>
+        <p:blipFill>
+          <a:blip r:embed="rId5">
+            <a:extLst>
+              <a:ext uri="{28A0092B-C50C-407E-A947-70E740481C1C}">
+                <a14:useLocalDpi xmlns:a14="http://schemas.microsoft.com/office/drawing/2010/main" val="0"/>
+              </a:ext>
+            </a:extLst>
+          </a:blip>
+          <a:stretch>
+            <a:fillRect/>
+          </a:stretch>
+        </p:blipFill>
+        <p:spPr>
+          <a:xfrm>
+            <a:off x="7221962" y="3090676"/>
+            <a:ext cx="4990873" cy="3743155"/>
           </a:xfrm>
           <a:prstGeom prst="rect">
             <a:avLst/>
@@ -12342,10 +12443,10 @@
       </p:sp>
       <p:pic>
         <p:nvPicPr>
-          <p:cNvPr id="9" name="Picture 8" descr="A graph of blue bars&#10;&#10;AI-generated content may be incorrect.">
+          <p:cNvPr id="5" name="Picture 4">
             <a:extLst>
               <a:ext uri="{FF2B5EF4-FFF2-40B4-BE49-F238E27FC236}">
-                <a16:creationId xmlns:a16="http://schemas.microsoft.com/office/drawing/2014/main" id="{6970B728-1A8D-970A-15B8-3C3F5FA8A475}"/>
+                <a16:creationId xmlns:a16="http://schemas.microsoft.com/office/drawing/2014/main" id="{28CFF049-5B84-6C48-01B8-E6F711560F40}"/>
               </a:ext>
             </a:extLst>
           </p:cNvPr>
@@ -12355,7 +12456,37 @@
           <p:nvPr/>
         </p:nvPicPr>
         <p:blipFill>
-          <a:blip r:embed="rId2">
+          <a:blip r:embed="rId2"/>
+          <a:stretch>
+            <a:fillRect/>
+          </a:stretch>
+        </p:blipFill>
+        <p:spPr>
+          <a:xfrm>
+            <a:off x="0" y="3349244"/>
+            <a:ext cx="5979167" cy="3508756"/>
+          </a:xfrm>
+          <a:prstGeom prst="rect">
+            <a:avLst/>
+          </a:prstGeom>
+        </p:spPr>
+      </p:pic>
+      <p:pic>
+        <p:nvPicPr>
+          <p:cNvPr id="7" name="Picture 6" descr="A graph of a graph&#10;&#10;AI-generated content may be incorrect.">
+            <a:extLst>
+              <a:ext uri="{FF2B5EF4-FFF2-40B4-BE49-F238E27FC236}">
+                <a16:creationId xmlns:a16="http://schemas.microsoft.com/office/drawing/2014/main" id="{7465414F-2E79-82BC-0148-D9AA0653CC60}"/>
+              </a:ext>
+            </a:extLst>
+          </p:cNvPr>
+          <p:cNvPicPr>
+            <a:picLocks noChangeAspect="1"/>
+          </p:cNvPicPr>
+          <p:nvPr/>
+        </p:nvPicPr>
+        <p:blipFill>
+          <a:blip r:embed="rId3">
             <a:extLst>
               <a:ext uri="{28A0092B-C50C-407E-A947-70E740481C1C}">
                 <a14:useLocalDpi xmlns:a14="http://schemas.microsoft.com/office/drawing/2010/main" val="0"/>
@@ -12368,38 +12499,8 @@
         </p:blipFill>
         <p:spPr>
           <a:xfrm>
-            <a:off x="5225287" y="3349244"/>
-            <a:ext cx="6966713" cy="3508756"/>
-          </a:xfrm>
-          <a:prstGeom prst="rect">
-            <a:avLst/>
-          </a:prstGeom>
-        </p:spPr>
-      </p:pic>
-      <p:pic>
-        <p:nvPicPr>
-          <p:cNvPr id="11" name="Picture 10">
-            <a:extLst>
-              <a:ext uri="{FF2B5EF4-FFF2-40B4-BE49-F238E27FC236}">
-                <a16:creationId xmlns:a16="http://schemas.microsoft.com/office/drawing/2014/main" id="{47C88255-251C-DD90-5E39-C7A1D87B830B}"/>
-              </a:ext>
-            </a:extLst>
-          </p:cNvPr>
-          <p:cNvPicPr>
-            <a:picLocks noChangeAspect="1"/>
-          </p:cNvPicPr>
-          <p:nvPr/>
-        </p:nvPicPr>
-        <p:blipFill>
-          <a:blip r:embed="rId3"/>
-          <a:stretch>
-            <a:fillRect/>
-          </a:stretch>
-        </p:blipFill>
-        <p:spPr>
-          <a:xfrm>
-            <a:off x="0" y="3349244"/>
-            <a:ext cx="5647021" cy="3486128"/>
+            <a:off x="5979167" y="3149600"/>
+            <a:ext cx="6309814" cy="3708400"/>
           </a:xfrm>
           <a:prstGeom prst="rect">
             <a:avLst/>

--- a/Y9 INV 2 – Sampling & Distribution.pptx
+++ b/Y9 INV 2 – Sampling & Distribution.pptx
@@ -1119,14 +1119,6 @@
             <ac:graphicFrameMk id="15" creationId="{151D2442-3476-B0ED-F336-07288ACA0880}"/>
           </ac:graphicFrameMkLst>
         </pc:graphicFrameChg>
-        <pc:picChg chg="add mod">
-          <ac:chgData name="SUN Henry" userId="ad28bb31-feec-467e-aba8-a9c658208cdf" providerId="ADAL" clId="{31157CF8-0C1B-4D30-8FF3-36092DCFD3FF}" dt="2025-10-19T03:53:24.142" v="8716" actId="14100"/>
-          <ac:picMkLst>
-            <pc:docMk/>
-            <pc:sldMk cId="3269705666" sldId="282"/>
-            <ac:picMk id="14" creationId="{01D6A709-7947-FFA2-CBE3-AF3A5D97FC3F}"/>
-          </ac:picMkLst>
-        </pc:picChg>
       </pc:sldChg>
       <pc:sldChg chg="addSp delSp modSp new mod">
         <pc:chgData name="SUN Henry" userId="ad28bb31-feec-467e-aba8-a9c658208cdf" providerId="ADAL" clId="{31157CF8-0C1B-4D30-8FF3-36092DCFD3FF}" dt="2025-10-19T03:58:33.418" v="9102" actId="207"/>
@@ -1150,14 +1142,6 @@
             <ac:spMk id="3" creationId="{E960084E-0280-56F9-75CA-DFCD11CA2A4B}"/>
           </ac:spMkLst>
         </pc:spChg>
-        <pc:picChg chg="add mod">
-          <ac:chgData name="SUN Henry" userId="ad28bb31-feec-467e-aba8-a9c658208cdf" providerId="ADAL" clId="{31157CF8-0C1B-4D30-8FF3-36092DCFD3FF}" dt="2025-10-19T03:56:52.743" v="8954" actId="1076"/>
-          <ac:picMkLst>
-            <pc:docMk/>
-            <pc:sldMk cId="1526350303" sldId="283"/>
-            <ac:picMk id="9" creationId="{6970B728-1A8D-970A-15B8-3C3F5FA8A475}"/>
-          </ac:picMkLst>
-        </pc:picChg>
       </pc:sldChg>
       <pc:sldChg chg="modSp new mod ord">
         <pc:chgData name="SUN Henry" userId="ad28bb31-feec-467e-aba8-a9c658208cdf" providerId="ADAL" clId="{31157CF8-0C1B-4D30-8FF3-36092DCFD3FF}" dt="2025-10-19T04:11:05.246" v="9277" actId="113"/>
@@ -1194,22 +1178,30 @@
   <pc:docChgLst>
     <pc:chgData name="SUN Henry" userId="ad28bb31-feec-467e-aba8-a9c658208cdf" providerId="ADAL" clId="{DC21DE38-9BA3-4502-9935-F68E1589427E}"/>
     <pc:docChg chg="custSel modSld">
-      <pc:chgData name="SUN Henry" userId="ad28bb31-feec-467e-aba8-a9c658208cdf" providerId="ADAL" clId="{DC21DE38-9BA3-4502-9935-F68E1589427E}" dt="2025-10-22T13:58:45.435" v="173" actId="1076"/>
+      <pc:chgData name="SUN Henry" userId="ad28bb31-feec-467e-aba8-a9c658208cdf" providerId="ADAL" clId="{DC21DE38-9BA3-4502-9935-F68E1589427E}" dt="2025-10-22T14:04:30.204" v="179" actId="1076"/>
       <pc:docMkLst>
         <pc:docMk/>
       </pc:docMkLst>
       <pc:sldChg chg="addSp modSp mod">
-        <pc:chgData name="SUN Henry" userId="ad28bb31-feec-467e-aba8-a9c658208cdf" providerId="ADAL" clId="{DC21DE38-9BA3-4502-9935-F68E1589427E}" dt="2025-10-21T01:36:47.837" v="134" actId="1076"/>
+        <pc:chgData name="SUN Henry" userId="ad28bb31-feec-467e-aba8-a9c658208cdf" providerId="ADAL" clId="{DC21DE38-9BA3-4502-9935-F68E1589427E}" dt="2025-10-22T14:04:30.204" v="179" actId="1076"/>
         <pc:sldMkLst>
           <pc:docMk/>
           <pc:sldMk cId="2172333855" sldId="257"/>
         </pc:sldMkLst>
         <pc:picChg chg="add mod">
-          <ac:chgData name="SUN Henry" userId="ad28bb31-feec-467e-aba8-a9c658208cdf" providerId="ADAL" clId="{DC21DE38-9BA3-4502-9935-F68E1589427E}" dt="2025-10-21T01:36:47.837" v="134" actId="1076"/>
+          <ac:chgData name="SUN Henry" userId="ad28bb31-feec-467e-aba8-a9c658208cdf" providerId="ADAL" clId="{DC21DE38-9BA3-4502-9935-F68E1589427E}" dt="2025-10-22T14:04:22.893" v="175" actId="1076"/>
           <ac:picMkLst>
             <pc:docMk/>
             <pc:sldMk cId="2172333855" sldId="257"/>
             <ac:picMk id="6" creationId="{17BD2D39-424B-CC95-4C18-959055EE666D}"/>
+          </ac:picMkLst>
+        </pc:picChg>
+        <pc:picChg chg="add mod">
+          <ac:chgData name="SUN Henry" userId="ad28bb31-feec-467e-aba8-a9c658208cdf" providerId="ADAL" clId="{DC21DE38-9BA3-4502-9935-F68E1589427E}" dt="2025-10-22T14:04:30.204" v="179" actId="1076"/>
+          <ac:picMkLst>
+            <pc:docMk/>
+            <pc:sldMk cId="2172333855" sldId="257"/>
+            <ac:picMk id="8" creationId="{5CD93059-595E-A741-F817-16C4FA371CAD}"/>
           </ac:picMkLst>
         </pc:picChg>
       </pc:sldChg>
@@ -9900,8 +9892,38 @@
         </p:blipFill>
         <p:spPr>
           <a:xfrm>
-            <a:off x="3870774" y="613552"/>
+            <a:off x="4151265" y="1398033"/>
             <a:ext cx="6367600" cy="540460"/>
+          </a:xfrm>
+          <a:prstGeom prst="rect">
+            <a:avLst/>
+          </a:prstGeom>
+        </p:spPr>
+      </p:pic>
+      <p:pic>
+        <p:nvPicPr>
+          <p:cNvPr id="8" name="Picture 7">
+            <a:extLst>
+              <a:ext uri="{FF2B5EF4-FFF2-40B4-BE49-F238E27FC236}">
+                <a16:creationId xmlns:a16="http://schemas.microsoft.com/office/drawing/2014/main" id="{5CD93059-595E-A741-F817-16C4FA371CAD}"/>
+              </a:ext>
+            </a:extLst>
+          </p:cNvPr>
+          <p:cNvPicPr>
+            <a:picLocks noChangeAspect="1"/>
+          </p:cNvPicPr>
+          <p:nvPr/>
+        </p:nvPicPr>
+        <p:blipFill>
+          <a:blip r:embed="rId8"/>
+          <a:stretch>
+            <a:fillRect/>
+          </a:stretch>
+        </p:blipFill>
+        <p:spPr>
+          <a:xfrm>
+            <a:off x="4633003" y="304419"/>
+            <a:ext cx="5404123" cy="726908"/>
           </a:xfrm>
           <a:prstGeom prst="rect">
             <a:avLst/>
